--- a/Kubernetes on Azure.pptx
+++ b/Kubernetes on Azure.pptx
@@ -5,7 +5,7 @@
     <p:sldMasterId id="2147483648" r:id="rId4"/>
   </p:sldMasterIdLst>
   <p:notesMasterIdLst>
-    <p:notesMasterId r:id="rId24"/>
+    <p:notesMasterId r:id="rId25"/>
   </p:notesMasterIdLst>
   <p:sldIdLst>
     <p:sldId id="256" r:id="rId5"/>
@@ -27,6 +27,7 @@
     <p:sldId id="272" r:id="rId21"/>
     <p:sldId id="273" r:id="rId22"/>
     <p:sldId id="274" r:id="rId23"/>
+    <p:sldId id="276" r:id="rId24"/>
   </p:sldIdLst>
   <p:sldSz cx="12192000" cy="6858000"/>
   <p:notesSz cx="6858000" cy="9144000"/>
@@ -143,14 +144,6 @@
     </p:extLst>
   </p:cmAuthor>
 </p:cmAuthorLst>
-</file>
-
-<file path=ppt/revisionInfo.xml><?xml version="1.0" encoding="utf-8"?>
-<p1510:revInfo xmlns:a="http://schemas.openxmlformats.org/drawingml/2006/main" xmlns:r="http://schemas.openxmlformats.org/officeDocument/2006/relationships" xmlns:p1510="http://schemas.microsoft.com/office/powerpoint/2015/10/main">
-  <p1510:revLst>
-    <p1510:client id="{B3722B24-DCCF-4A7E-B51C-F489845BB786}" v="102" dt="2020-02-12T16:42:11.152"/>
-  </p1510:revLst>
-</p1510:revInfo>
 </file>
 
 <file path=ppt/diagrams/colors1.xml><?xml version="1.0" encoding="utf-8"?>
@@ -19048,6 +19041,148 @@
 </p:sld>
 </file>
 
+<file path=ppt/slides/slide20.xml><?xml version="1.0" encoding="utf-8"?>
+<p:sld xmlns:a="http://schemas.openxmlformats.org/drawingml/2006/main" xmlns:r="http://schemas.openxmlformats.org/officeDocument/2006/relationships" xmlns:p="http://schemas.openxmlformats.org/presentationml/2006/main">
+  <p:cSld>
+    <p:bg>
+      <p:bgPr>
+        <a:gradFill rotWithShape="1">
+          <a:gsLst>
+            <a:gs pos="10000">
+              <a:schemeClr val="bg1">
+                <a:tint val="97000"/>
+                <a:hueMod val="92000"/>
+                <a:satMod val="169000"/>
+                <a:lumMod val="164000"/>
+              </a:schemeClr>
+            </a:gs>
+            <a:gs pos="100000">
+              <a:schemeClr val="bg1">
+                <a:shade val="96000"/>
+                <a:satMod val="120000"/>
+                <a:lumMod val="90000"/>
+              </a:schemeClr>
+            </a:gs>
+          </a:gsLst>
+          <a:lin ang="6120000" scaled="1"/>
+        </a:gradFill>
+        <a:effectLst/>
+      </p:bgPr>
+    </p:bg>
+    <p:spTree>
+      <p:nvGrpSpPr>
+        <p:cNvPr id="1" name=""/>
+        <p:cNvGrpSpPr/>
+        <p:nvPr/>
+      </p:nvGrpSpPr>
+      <p:grpSpPr>
+        <a:xfrm>
+          <a:off x="0" y="0"/>
+          <a:ext cx="0" cy="0"/>
+          <a:chOff x="0" y="0"/>
+          <a:chExt cx="0" cy="0"/>
+        </a:xfrm>
+      </p:grpSpPr>
+      <p:sp>
+        <p:nvSpPr>
+          <p:cNvPr id="2" name="Title 1">
+            <a:extLst>
+              <a:ext uri="{FF2B5EF4-FFF2-40B4-BE49-F238E27FC236}">
+                <a16:creationId xmlns:a16="http://schemas.microsoft.com/office/drawing/2014/main" id="{75584269-A111-4A41-B7DF-36B97B330D25}"/>
+              </a:ext>
+            </a:extLst>
+          </p:cNvPr>
+          <p:cNvSpPr>
+            <a:spLocks noGrp="1"/>
+          </p:cNvSpPr>
+          <p:nvPr>
+            <p:ph type="title"/>
+          </p:nvPr>
+        </p:nvSpPr>
+        <p:spPr>
+          <a:xfrm>
+            <a:off x="5135754" y="628617"/>
+            <a:ext cx="6368858" cy="3028983"/>
+          </a:xfrm>
+        </p:spPr>
+        <p:txBody>
+          <a:bodyPr vert="horz" lIns="91440" tIns="45720" rIns="91440" bIns="45720" rtlCol="0" anchor="b">
+            <a:normAutofit/>
+          </a:bodyPr>
+          <a:lstStyle/>
+          <a:p>
+            <a:r>
+              <a:rPr lang="en-US" sz="4800"/>
+              <a:t>Link to slides</a:t>
+            </a:r>
+          </a:p>
+        </p:txBody>
+      </p:sp>
+      <p:pic>
+        <p:nvPicPr>
+          <p:cNvPr id="5" name="Content Placeholder 4">
+            <a:extLst>
+              <a:ext uri="{FF2B5EF4-FFF2-40B4-BE49-F238E27FC236}">
+                <a16:creationId xmlns:a16="http://schemas.microsoft.com/office/drawing/2014/main" id="{CEBC11E5-62CF-49D0-8C1D-7F0FD1C2B7A3}"/>
+              </a:ext>
+            </a:extLst>
+          </p:cNvPr>
+          <p:cNvPicPr>
+            <a:picLocks noGrp="1" noChangeAspect="1"/>
+          </p:cNvPicPr>
+          <p:nvPr>
+            <p:ph idx="1"/>
+          </p:nvPr>
+        </p:nvPicPr>
+        <p:blipFill>
+          <a:blip r:embed="rId3">
+            <a:extLst>
+              <a:ext uri="{96DAC541-7B7A-43D3-8B79-37D633B846F1}">
+                <asvg:svgBlip xmlns:asvg="http://schemas.microsoft.com/office/drawing/2016/SVG/main" r:embed="rId4"/>
+              </a:ext>
+            </a:extLst>
+          </a:blip>
+          <a:stretch>
+            <a:fillRect/>
+          </a:stretch>
+        </p:blipFill>
+        <p:spPr>
+          <a:xfrm>
+            <a:off x="646633" y="1264416"/>
+            <a:ext cx="4004489" cy="4004489"/>
+          </a:xfrm>
+          <a:prstGeom prst="rect">
+            <a:avLst/>
+          </a:prstGeom>
+          <a:ln w="15875">
+            <a:solidFill>
+              <a:srgbClr val="FFFFFF">
+                <a:alpha val="40000"/>
+              </a:srgbClr>
+            </a:solidFill>
+          </a:ln>
+          <a:effectLst>
+            <a:innerShdw blurRad="57150" dist="38100" dir="14460000">
+              <a:prstClr val="black">
+                <a:alpha val="70000"/>
+              </a:prstClr>
+            </a:innerShdw>
+          </a:effectLst>
+        </p:spPr>
+      </p:pic>
+    </p:spTree>
+    <p:extLst>
+      <p:ext uri="{BB962C8B-B14F-4D97-AF65-F5344CB8AC3E}">
+        <p14:creationId xmlns:p14="http://schemas.microsoft.com/office/powerpoint/2010/main" val="724239154"/>
+      </p:ext>
+    </p:extLst>
+  </p:cSld>
+  <p:clrMapOvr>
+    <a:overrideClrMapping bg1="dk1" tx1="lt1" bg2="dk2" tx2="lt2" accent1="accent1" accent2="accent2" accent3="accent3" accent4="accent4" accent5="accent5" accent6="accent6" hlink="hlink" folHlink="folHlink"/>
+  </p:clrMapOvr>
+</p:sld>
+</file>
+
 <file path=ppt/slides/slide3.xml><?xml version="1.0" encoding="utf-8"?>
 <p:sld xmlns:a="http://schemas.openxmlformats.org/drawingml/2006/main" xmlns:r="http://schemas.openxmlformats.org/officeDocument/2006/relationships" xmlns:p="http://schemas.openxmlformats.org/presentationml/2006/main">
   <p:cSld>
@@ -23310,6 +23445,49 @@
 </a:themeOverride>
 </file>
 
+<file path=ppt/theme/themeOverride10.xml><?xml version="1.0" encoding="utf-8"?>
+<a:themeOverride xmlns:a="http://schemas.openxmlformats.org/drawingml/2006/main">
+  <a:clrScheme name="Slice">
+    <a:dk1>
+      <a:sysClr val="windowText" lastClr="000000"/>
+    </a:dk1>
+    <a:lt1>
+      <a:sysClr val="window" lastClr="FFFFFF"/>
+    </a:lt1>
+    <a:dk2>
+      <a:srgbClr val="146194"/>
+    </a:dk2>
+    <a:lt2>
+      <a:srgbClr val="76DBF4"/>
+    </a:lt2>
+    <a:accent1>
+      <a:srgbClr val="052F61"/>
+    </a:accent1>
+    <a:accent2>
+      <a:srgbClr val="A50E82"/>
+    </a:accent2>
+    <a:accent3>
+      <a:srgbClr val="14967C"/>
+    </a:accent3>
+    <a:accent4>
+      <a:srgbClr val="6A9E1F"/>
+    </a:accent4>
+    <a:accent5>
+      <a:srgbClr val="E87D37"/>
+    </a:accent5>
+    <a:accent6>
+      <a:srgbClr val="C62324"/>
+    </a:accent6>
+    <a:hlink>
+      <a:srgbClr val="0D2E46"/>
+    </a:hlink>
+    <a:folHlink>
+      <a:srgbClr val="356A95"/>
+    </a:folHlink>
+  </a:clrScheme>
+</a:themeOverride>
+</file>
+
 <file path=ppt/theme/themeOverride2.xml><?xml version="1.0" encoding="utf-8"?>
 <a:themeOverride xmlns:a="http://schemas.openxmlformats.org/drawingml/2006/main">
   <a:clrScheme name="Slice">

--- a/Kubernetes on Azure.pptx
+++ b/Kubernetes on Azure.pptx
@@ -18958,73 +18958,163 @@
               <a:buNone/>
             </a:pPr>
             <a:r>
-              <a:rPr lang="en-US">
+              <a:rPr lang="en-US" dirty="0">
                 <a:solidFill>
                   <a:schemeClr val="tx1"/>
                 </a:solidFill>
               </a:rPr>
-              <a:t>Founder sia consulting</a:t>
+              <a:t>Founder </a:t>
             </a:r>
-          </a:p>
-          <a:p>
+            <a:r>
+              <a:rPr lang="en-US" dirty="0" err="1">
+                <a:solidFill>
+                  <a:schemeClr val="tx1"/>
+                </a:solidFill>
+              </a:rPr>
+              <a:t>sia</a:t>
+            </a:r>
+            <a:r>
+              <a:rPr lang="en-US" dirty="0">
+                <a:solidFill>
+                  <a:schemeClr val="tx1"/>
+                </a:solidFill>
+              </a:rPr>
+              <a:t> consulting</a:t>
+            </a:r>
+          </a:p>
+          <a:p>
+            <a:r>
+              <a:rPr lang="en-US" dirty="0">
+                <a:solidFill>
+                  <a:schemeClr val="tx1"/>
+                </a:solidFill>
+              </a:rPr>
+              <a:t> Cloud Consulting</a:t>
+            </a:r>
+          </a:p>
+          <a:p>
+            <a:r>
+              <a:rPr lang="en-US" dirty="0">
+                <a:solidFill>
+                  <a:schemeClr val="tx1"/>
+                </a:solidFill>
+              </a:rPr>
+              <a:t> Cloud Development</a:t>
+            </a:r>
+          </a:p>
+          <a:p>
+            <a:r>
+              <a:rPr lang="en-US" dirty="0">
+                <a:solidFill>
+                  <a:schemeClr val="tx1"/>
+                </a:solidFill>
+              </a:rPr>
+              <a:t> Cloud Security</a:t>
+            </a:r>
+          </a:p>
+          <a:p>
+            <a:r>
+              <a:rPr lang="en-US" dirty="0">
+                <a:solidFill>
+                  <a:schemeClr val="tx1"/>
+                </a:solidFill>
+              </a:rPr>
+              <a:t> Blockchain Consulting</a:t>
+            </a:r>
+          </a:p>
+          <a:p>
+            <a:r>
+              <a:rPr lang="en-US" dirty="0">
+                <a:solidFill>
+                  <a:schemeClr val="tx1"/>
+                </a:solidFill>
+              </a:rPr>
+              <a:t> Domain modeling</a:t>
+            </a:r>
+          </a:p>
+          <a:p>
+            <a:r>
+              <a:rPr lang="en-US" dirty="0">
+                <a:solidFill>
+                  <a:schemeClr val="tx1"/>
+                </a:solidFill>
+              </a:rPr>
+              <a:t> Trainings</a:t>
+            </a:r>
+          </a:p>
+          <a:p>
+            <a:endParaRPr lang="en-US" dirty="0">
+              <a:solidFill>
+                <a:schemeClr val="tx1"/>
+              </a:solidFill>
+            </a:endParaRPr>
+          </a:p>
+          <a:p>
+            <a:endParaRPr lang="en-US" dirty="0">
+              <a:solidFill>
+                <a:schemeClr val="tx1"/>
+              </a:solidFill>
+            </a:endParaRPr>
+          </a:p>
+          <a:p>
+            <a:r>
+              <a:rPr lang="en-US" dirty="0">
+                <a:solidFill>
+                  <a:schemeClr val="tx1"/>
+                </a:solidFill>
+              </a:rPr>
+              <a:t>Event sourcing enthusiast</a:t>
+            </a:r>
+          </a:p>
+          <a:p>
+            <a:r>
+              <a:rPr lang="en-US" dirty="0">
+                <a:solidFill>
+                  <a:schemeClr val="tx1"/>
+                </a:solidFill>
+              </a:rPr>
+              <a:t>Microsoft MVP</a:t>
+            </a:r>
+          </a:p>
+          <a:p>
+            <a:r>
+              <a:rPr lang="en-US" dirty="0">
+                <a:solidFill>
+                  <a:schemeClr val="tx1"/>
+                </a:solidFill>
+              </a:rPr>
+              <a:t>Love DDD</a:t>
+            </a:r>
+          </a:p>
+          <a:p>
+            <a:r>
+              <a:rPr lang="en-US" dirty="0">
+                <a:solidFill>
+                  <a:schemeClr val="tx1"/>
+                </a:solidFill>
+              </a:rPr>
+              <a:t>Speaker </a:t>
+            </a:r>
             <a:r>
               <a:rPr lang="en-US">
                 <a:solidFill>
                   <a:schemeClr val="tx1"/>
                 </a:solidFill>
               </a:rPr>
-              <a:t> Cloud Consulting</a:t>
+              <a:t>at conferences and meetups</a:t>
             </a:r>
-          </a:p>
-          <a:p>
-            <a:r>
-              <a:rPr lang="en-US">
-                <a:solidFill>
-                  <a:schemeClr val="tx1"/>
-                </a:solidFill>
-              </a:rPr>
-              <a:t> Cloud Development</a:t>
-            </a:r>
-          </a:p>
-          <a:p>
-            <a:r>
-              <a:rPr lang="en-US">
-                <a:solidFill>
-                  <a:schemeClr val="tx1"/>
-                </a:solidFill>
-              </a:rPr>
-              <a:t> Cloud Security</a:t>
-            </a:r>
-          </a:p>
-          <a:p>
-            <a:r>
-              <a:rPr lang="en-US">
-                <a:solidFill>
-                  <a:schemeClr val="tx1"/>
-                </a:solidFill>
-              </a:rPr>
-              <a:t> Blockchain Consulting</a:t>
-            </a:r>
-          </a:p>
-          <a:p>
-            <a:r>
-              <a:rPr lang="en-US">
-                <a:solidFill>
-                  <a:schemeClr val="tx1"/>
-                </a:solidFill>
-              </a:rPr>
-              <a:t> Domain moddeling</a:t>
-            </a:r>
-          </a:p>
-          <a:p>
-            <a:r>
-              <a:rPr lang="en-US">
-                <a:solidFill>
-                  <a:schemeClr val="tx1"/>
-                </a:solidFill>
-              </a:rPr>
-              <a:t> Trainings</a:t>
-            </a:r>
+            <a:endParaRPr lang="en-US" dirty="0">
+              <a:solidFill>
+                <a:schemeClr val="tx1"/>
+              </a:solidFill>
+            </a:endParaRPr>
+          </a:p>
+          <a:p>
+            <a:endParaRPr lang="en-US" dirty="0">
+              <a:solidFill>
+                <a:schemeClr val="tx1"/>
+              </a:solidFill>
+            </a:endParaRPr>
           </a:p>
         </p:txBody>
       </p:sp>
@@ -23833,6 +23923,12 @@
 </file>
 
 <file path=customXml/item1.xml><?xml version="1.0" encoding="utf-8"?>
+<p:properties xmlns:p="http://schemas.microsoft.com/office/2006/metadata/properties" xmlns:xsi="http://www.w3.org/2001/XMLSchema-instance" xmlns:pc="http://schemas.microsoft.com/office/infopath/2007/PartnerControls">
+  <documentManagement/>
+</p:properties>
+</file>
+
+<file path=customXml/item2.xml><?xml version="1.0" encoding="utf-8"?>
 <ct:contentTypeSchema xmlns:ct="http://schemas.microsoft.com/office/2006/metadata/contentType" xmlns:ma="http://schemas.microsoft.com/office/2006/metadata/properties/metaAttributes" ct:_="" ma:_="" ma:contentTypeName="Dokument" ma:contentTypeID="0x010100A6E556EFD919934490F6814870E6A43F" ma:contentTypeVersion="5" ma:contentTypeDescription="Ein neues Dokument erstellen." ma:contentTypeScope="" ma:versionID="782acb71aba3857185348fcc4fdcbb1d">
   <xsd:schema xmlns:xsd="http://www.w3.org/2001/XMLSchema" xmlns:xs="http://www.w3.org/2001/XMLSchema" xmlns:p="http://schemas.microsoft.com/office/2006/metadata/properties" xmlns:ns3="c6772278-f940-4e95-987a-dd231d1f9cbb" xmlns:ns4="2a22409f-aa73-4b8d-bb9b-bf169d4d6d27" targetNamespace="http://schemas.microsoft.com/office/2006/metadata/properties" ma:root="true" ma:fieldsID="f304ab44c93f421d3b48d462dee210d4" ns3:_="" ns4:_="">
     <xsd:import namespace="c6772278-f940-4e95-987a-dd231d1f9cbb"/>
@@ -24003,12 +24099,6 @@
 </ct:contentTypeSchema>
 </file>
 
-<file path=customXml/item2.xml><?xml version="1.0" encoding="utf-8"?>
-<p:properties xmlns:p="http://schemas.microsoft.com/office/2006/metadata/properties" xmlns:xsi="http://www.w3.org/2001/XMLSchema-instance" xmlns:pc="http://schemas.microsoft.com/office/infopath/2007/PartnerControls">
-  <documentManagement/>
-</p:properties>
-</file>
-
 <file path=customXml/item3.xml><?xml version="1.0" encoding="utf-8"?>
 <?mso-contentType ?>
 <FormTemplates xmlns="http://schemas.microsoft.com/sharepoint/v3/contenttype/forms">
@@ -24019,6 +24109,15 @@
 </file>
 
 <file path=customXml/itemProps1.xml><?xml version="1.0" encoding="utf-8"?>
+<ds:datastoreItem xmlns:ds="http://schemas.openxmlformats.org/officeDocument/2006/customXml" ds:itemID="{AA4570A2-85FB-4D6E-A31A-7FF51DE73D10}">
+  <ds:schemaRefs>
+    <ds:schemaRef ds:uri="http://schemas.microsoft.com/office/2006/metadata/properties"/>
+    <ds:schemaRef ds:uri="http://schemas.microsoft.com/office/infopath/2007/PartnerControls"/>
+  </ds:schemaRefs>
+</ds:datastoreItem>
+</file>
+
+<file path=customXml/itemProps2.xml><?xml version="1.0" encoding="utf-8"?>
 <ds:datastoreItem xmlns:ds="http://schemas.openxmlformats.org/officeDocument/2006/customXml" ds:itemID="{9BEFA0A5-2C1F-4538-806E-E8F302CB581B}">
   <ds:schemaRefs>
     <ds:schemaRef ds:uri="http://schemas.microsoft.com/office/2006/metadata/contentType"/>
@@ -24037,15 +24136,6 @@
 </ds:datastoreItem>
 </file>
 
-<file path=customXml/itemProps2.xml><?xml version="1.0" encoding="utf-8"?>
-<ds:datastoreItem xmlns:ds="http://schemas.openxmlformats.org/officeDocument/2006/customXml" ds:itemID="{AA4570A2-85FB-4D6E-A31A-7FF51DE73D10}">
-  <ds:schemaRefs>
-    <ds:schemaRef ds:uri="http://schemas.microsoft.com/office/2006/metadata/properties"/>
-    <ds:schemaRef ds:uri="http://schemas.microsoft.com/office/infopath/2007/PartnerControls"/>
-  </ds:schemaRefs>
-</ds:datastoreItem>
-</file>
-
 <file path=customXml/itemProps3.xml><?xml version="1.0" encoding="utf-8"?>
 <ds:datastoreItem xmlns:ds="http://schemas.openxmlformats.org/officeDocument/2006/customXml" ds:itemID="{D3FEA294-A611-472D-B4C2-BD98337D5C4A}">
   <ds:schemaRefs>

--- a/Kubernetes on Azure.pptx
+++ b/Kubernetes on Azure.pptx
@@ -5,7 +5,7 @@
     <p:sldMasterId id="2147483648" r:id="rId4"/>
   </p:sldMasterIdLst>
   <p:notesMasterIdLst>
-    <p:notesMasterId r:id="rId25"/>
+    <p:notesMasterId r:id="rId27"/>
   </p:notesMasterIdLst>
   <p:sldIdLst>
     <p:sldId id="256" r:id="rId5"/>
@@ -16,18 +16,20 @@
     <p:sldId id="268" r:id="rId10"/>
     <p:sldId id="261" r:id="rId11"/>
     <p:sldId id="262" r:id="rId12"/>
-    <p:sldId id="263" r:id="rId13"/>
-    <p:sldId id="267" r:id="rId14"/>
-    <p:sldId id="264" r:id="rId15"/>
-    <p:sldId id="265" r:id="rId16"/>
-    <p:sldId id="275" r:id="rId17"/>
-    <p:sldId id="266" r:id="rId18"/>
-    <p:sldId id="270" r:id="rId19"/>
-    <p:sldId id="271" r:id="rId20"/>
-    <p:sldId id="272" r:id="rId21"/>
-    <p:sldId id="273" r:id="rId22"/>
-    <p:sldId id="274" r:id="rId23"/>
-    <p:sldId id="276" r:id="rId24"/>
+    <p:sldId id="277" r:id="rId13"/>
+    <p:sldId id="263" r:id="rId14"/>
+    <p:sldId id="267" r:id="rId15"/>
+    <p:sldId id="264" r:id="rId16"/>
+    <p:sldId id="265" r:id="rId17"/>
+    <p:sldId id="275" r:id="rId18"/>
+    <p:sldId id="266" r:id="rId19"/>
+    <p:sldId id="278" r:id="rId20"/>
+    <p:sldId id="270" r:id="rId21"/>
+    <p:sldId id="271" r:id="rId22"/>
+    <p:sldId id="272" r:id="rId23"/>
+    <p:sldId id="273" r:id="rId24"/>
+    <p:sldId id="274" r:id="rId25"/>
+    <p:sldId id="276" r:id="rId26"/>
   </p:sldIdLst>
   <p:sldSz cx="12192000" cy="6858000"/>
   <p:notesSz cx="6858000" cy="9144000"/>
@@ -14093,6 +14095,216 @@
   <p:cSld>
     <p:bg>
       <p:bgPr>
+        <a:solidFill>
+          <a:schemeClr val="bg1"/>
+        </a:solidFill>
+        <a:effectLst/>
+      </p:bgPr>
+    </p:bg>
+    <p:spTree>
+      <p:nvGrpSpPr>
+        <p:cNvPr id="1" name=""/>
+        <p:cNvGrpSpPr/>
+        <p:nvPr/>
+      </p:nvGrpSpPr>
+      <p:grpSpPr>
+        <a:xfrm>
+          <a:off x="0" y="0"/>
+          <a:ext cx="0" cy="0"/>
+          <a:chOff x="0" y="0"/>
+          <a:chExt cx="0" cy="0"/>
+        </a:xfrm>
+      </p:grpSpPr>
+      <p:sp useBgFill="1">
+        <p:nvSpPr>
+          <p:cNvPr id="9" name="Rectangle 8">
+            <a:extLst>
+              <a:ext uri="{FF2B5EF4-FFF2-40B4-BE49-F238E27FC236}">
+                <a16:creationId xmlns:a16="http://schemas.microsoft.com/office/drawing/2014/main" id="{8F4E830A-06F9-4EAA-9E65-110CF2421798}"/>
+              </a:ext>
+              <a:ext uri="{C183D7F6-B498-43B3-948B-1728B52AA6E4}">
+                <adec:decorative xmlns:adec="http://schemas.microsoft.com/office/drawing/2017/decorative" val="1"/>
+              </a:ext>
+            </a:extLst>
+          </p:cNvPr>
+          <p:cNvSpPr>
+            <a:spLocks noGrp="1" noRot="1" noChangeAspect="1" noMove="1" noResize="1" noEditPoints="1" noAdjustHandles="1" noChangeArrowheads="1" noChangeShapeType="1" noTextEdit="1"/>
+          </p:cNvSpPr>
+          <p:nvPr>
+            <p:extLst>
+              <p:ext uri="{386F3935-93C4-4BCD-93E2-E3B085C9AB24}">
+                <p16:designElem xmlns:p16="http://schemas.microsoft.com/office/powerpoint/2015/main" val="1"/>
+              </p:ext>
+            </p:extLst>
+          </p:nvPr>
+        </p:nvSpPr>
+        <p:spPr>
+          <a:xfrm>
+            <a:off x="-3175" y="0"/>
+            <a:ext cx="12192000" cy="6858000"/>
+          </a:xfrm>
+          <a:prstGeom prst="rect">
+            <a:avLst/>
+          </a:prstGeom>
+          <a:ln>
+            <a:noFill/>
+          </a:ln>
+        </p:spPr>
+        <p:style>
+          <a:lnRef idx="2">
+            <a:schemeClr val="accent1">
+              <a:shade val="50000"/>
+            </a:schemeClr>
+          </a:lnRef>
+          <a:fillRef idx="1">
+            <a:schemeClr val="accent1"/>
+          </a:fillRef>
+          <a:effectRef idx="0">
+            <a:schemeClr val="accent1"/>
+          </a:effectRef>
+          <a:fontRef idx="minor">
+            <a:schemeClr val="lt1"/>
+          </a:fontRef>
+        </p:style>
+        <p:txBody>
+          <a:bodyPr rtlCol="0" anchor="ctr"/>
+          <a:lstStyle/>
+          <a:p>
+            <a:pPr algn="ctr"/>
+            <a:endParaRPr lang="en-US"/>
+          </a:p>
+        </p:txBody>
+      </p:sp>
+      <p:pic>
+        <p:nvPicPr>
+          <p:cNvPr id="5" name="Picture 4">
+            <a:extLst>
+              <a:ext uri="{FF2B5EF4-FFF2-40B4-BE49-F238E27FC236}">
+                <a16:creationId xmlns:a16="http://schemas.microsoft.com/office/drawing/2014/main" id="{A87A6B69-1584-44FB-A58F-22BEA5942669}"/>
+              </a:ext>
+            </a:extLst>
+          </p:cNvPr>
+          <p:cNvPicPr>
+            <a:picLocks noChangeAspect="1"/>
+          </p:cNvPicPr>
+          <p:nvPr/>
+        </p:nvPicPr>
+        <p:blipFill rotWithShape="1">
+          <a:blip r:embed="rId2">
+            <a:alphaModFix amt="35000"/>
+          </a:blip>
+          <a:srcRect t="5113" b="10617"/>
+          <a:stretch/>
+        </p:blipFill>
+        <p:spPr>
+          <a:xfrm>
+            <a:off x="3174" y="10"/>
+            <a:ext cx="12192000" cy="6857990"/>
+          </a:xfrm>
+          <a:prstGeom prst="rect">
+            <a:avLst/>
+          </a:prstGeom>
+        </p:spPr>
+      </p:pic>
+      <p:sp>
+        <p:nvSpPr>
+          <p:cNvPr id="2" name="Title 1">
+            <a:extLst>
+              <a:ext uri="{FF2B5EF4-FFF2-40B4-BE49-F238E27FC236}">
+                <a16:creationId xmlns:a16="http://schemas.microsoft.com/office/drawing/2014/main" id="{FF131A4A-8AA4-46A3-87B9-99D7C324111A}"/>
+              </a:ext>
+            </a:extLst>
+          </p:cNvPr>
+          <p:cNvSpPr>
+            <a:spLocks noGrp="1"/>
+          </p:cNvSpPr>
+          <p:nvPr>
+            <p:ph type="title"/>
+          </p:nvPr>
+        </p:nvSpPr>
+        <p:spPr>
+          <a:xfrm>
+            <a:off x="684212" y="4487332"/>
+            <a:ext cx="8534400" cy="1507067"/>
+          </a:xfrm>
+        </p:spPr>
+        <p:txBody>
+          <a:bodyPr>
+            <a:normAutofit/>
+          </a:bodyPr>
+          <a:lstStyle/>
+          <a:p>
+            <a:r>
+              <a:rPr lang="en-US" dirty="0"/>
+              <a:t>Azure Dev Spaces</a:t>
+            </a:r>
+          </a:p>
+        </p:txBody>
+      </p:sp>
+      <p:sp>
+        <p:nvSpPr>
+          <p:cNvPr id="3" name="Content Placeholder 2">
+            <a:extLst>
+              <a:ext uri="{FF2B5EF4-FFF2-40B4-BE49-F238E27FC236}">
+                <a16:creationId xmlns:a16="http://schemas.microsoft.com/office/drawing/2014/main" id="{5250740D-E9F1-485D-B1C3-0F6E2FB3F89D}"/>
+              </a:ext>
+            </a:extLst>
+          </p:cNvPr>
+          <p:cNvSpPr>
+            <a:spLocks noGrp="1"/>
+          </p:cNvSpPr>
+          <p:nvPr>
+            <p:ph idx="1"/>
+          </p:nvPr>
+        </p:nvSpPr>
+        <p:spPr>
+          <a:xfrm>
+            <a:off x="684212" y="685800"/>
+            <a:ext cx="8534400" cy="3615267"/>
+          </a:xfrm>
+        </p:spPr>
+        <p:txBody>
+          <a:bodyPr>
+            <a:normAutofit/>
+          </a:bodyPr>
+          <a:lstStyle/>
+          <a:p>
+            <a:r>
+              <a:rPr lang="en-US" b="0" i="0">
+                <a:solidFill>
+                  <a:schemeClr val="tx1"/>
+                </a:solidFill>
+                <a:effectLst/>
+                <a:latin typeface="Segoe UI" panose="020B0502040204020203" pitchFamily="34" charset="0"/>
+              </a:rPr>
+              <a:t>Azure Dev Spaces provides a rapid, iterative Kubernetes development experience for teams in Azure Kubernetes Service (AKS) clusters. Azure Dev Spaces also allows you to debug and test all the components of your application in AKS with minimal development machine setup, without replicating or mocking up dependencies.</a:t>
+            </a:r>
+            <a:endParaRPr lang="en-US">
+              <a:solidFill>
+                <a:schemeClr val="tx1"/>
+              </a:solidFill>
+            </a:endParaRPr>
+          </a:p>
+        </p:txBody>
+      </p:sp>
+    </p:spTree>
+    <p:extLst>
+      <p:ext uri="{BB962C8B-B14F-4D97-AF65-F5344CB8AC3E}">
+        <p14:creationId xmlns:p14="http://schemas.microsoft.com/office/powerpoint/2010/main" val="1925098525"/>
+      </p:ext>
+    </p:extLst>
+  </p:cSld>
+  <p:clrMapOvr>
+    <a:masterClrMapping/>
+  </p:clrMapOvr>
+</p:sld>
+</file>
+
+<file path=ppt/slides/slide11.xml><?xml version="1.0" encoding="utf-8"?>
+<p:sld xmlns:a="http://schemas.openxmlformats.org/drawingml/2006/main" xmlns:r="http://schemas.openxmlformats.org/officeDocument/2006/relationships" xmlns:p="http://schemas.openxmlformats.org/presentationml/2006/main">
+  <p:cSld>
+    <p:bg>
+      <p:bgPr>
         <a:gradFill rotWithShape="1">
           <a:gsLst>
             <a:gs pos="10000">
@@ -14211,7 +14423,7 @@
 </p:sld>
 </file>
 
-<file path=ppt/slides/slide11.xml><?xml version="1.0" encoding="utf-8"?>
+<file path=ppt/slides/slide12.xml><?xml version="1.0" encoding="utf-8"?>
 <p:sld xmlns:a="http://schemas.openxmlformats.org/drawingml/2006/main" xmlns:r="http://schemas.openxmlformats.org/officeDocument/2006/relationships" xmlns:p="http://schemas.openxmlformats.org/presentationml/2006/main">
   <p:cSld>
     <p:bg>
@@ -14342,7 +14554,7 @@
 </p:sld>
 </file>
 
-<file path=ppt/slides/slide12.xml><?xml version="1.0" encoding="utf-8"?>
+<file path=ppt/slides/slide13.xml><?xml version="1.0" encoding="utf-8"?>
 <p:sld xmlns:a="http://schemas.openxmlformats.org/drawingml/2006/main" xmlns:r="http://schemas.openxmlformats.org/officeDocument/2006/relationships" xmlns:p="http://schemas.openxmlformats.org/presentationml/2006/main">
   <p:cSld>
     <p:bg>
@@ -14865,7 +15077,7 @@
 </p:sld>
 </file>
 
-<file path=ppt/slides/slide13.xml><?xml version="1.0" encoding="utf-8"?>
+<file path=ppt/slides/slide14.xml><?xml version="1.0" encoding="utf-8"?>
 <p:sld xmlns:a="http://schemas.openxmlformats.org/drawingml/2006/main" xmlns:r="http://schemas.openxmlformats.org/officeDocument/2006/relationships" xmlns:p="http://schemas.openxmlformats.org/presentationml/2006/main">
   <p:cSld>
     <p:bg>
@@ -14988,7 +15200,7 @@
 </p:sld>
 </file>
 
-<file path=ppt/slides/slide14.xml><?xml version="1.0" encoding="utf-8"?>
+<file path=ppt/slides/slide15.xml><?xml version="1.0" encoding="utf-8"?>
 <p:sld xmlns:a="http://schemas.openxmlformats.org/drawingml/2006/main" xmlns:r="http://schemas.openxmlformats.org/officeDocument/2006/relationships" xmlns:p="http://schemas.openxmlformats.org/presentationml/2006/main">
   <p:cSld>
     <p:bg>
@@ -15528,7 +15740,714 @@
 </p:sld>
 </file>
 
-<file path=ppt/slides/slide15.xml><?xml version="1.0" encoding="utf-8"?>
+<file path=ppt/slides/slide16.xml><?xml version="1.0" encoding="utf-8"?>
+<p:sld xmlns:a="http://schemas.openxmlformats.org/drawingml/2006/main" xmlns:r="http://schemas.openxmlformats.org/officeDocument/2006/relationships" xmlns:p="http://schemas.openxmlformats.org/presentationml/2006/main" show="0">
+  <p:cSld>
+    <p:bg>
+      <p:bgPr>
+        <a:gradFill rotWithShape="1">
+          <a:gsLst>
+            <a:gs pos="10000">
+              <a:schemeClr val="bg1">
+                <a:tint val="97000"/>
+                <a:hueMod val="92000"/>
+                <a:satMod val="169000"/>
+                <a:lumMod val="164000"/>
+              </a:schemeClr>
+            </a:gs>
+            <a:gs pos="100000">
+              <a:schemeClr val="bg1">
+                <a:shade val="96000"/>
+                <a:satMod val="120000"/>
+                <a:lumMod val="90000"/>
+              </a:schemeClr>
+            </a:gs>
+          </a:gsLst>
+          <a:lin ang="6120000" scaled="1"/>
+        </a:gradFill>
+        <a:effectLst/>
+      </p:bgPr>
+    </p:bg>
+    <p:spTree>
+      <p:nvGrpSpPr>
+        <p:cNvPr id="1" name=""/>
+        <p:cNvGrpSpPr/>
+        <p:nvPr/>
+      </p:nvGrpSpPr>
+      <p:grpSpPr>
+        <a:xfrm>
+          <a:off x="0" y="0"/>
+          <a:ext cx="0" cy="0"/>
+          <a:chOff x="0" y="0"/>
+          <a:chExt cx="0" cy="0"/>
+        </a:xfrm>
+      </p:grpSpPr>
+      <p:cxnSp>
+        <p:nvCxnSpPr>
+          <p:cNvPr id="8" name="Straight Connector 7">
+            <a:extLst>
+              <a:ext uri="{FF2B5EF4-FFF2-40B4-BE49-F238E27FC236}">
+                <a16:creationId xmlns:a16="http://schemas.microsoft.com/office/drawing/2014/main" id="{FEB90296-CFE0-401D-9CA3-32966EC4F01D}"/>
+              </a:ext>
+              <a:ext uri="{C183D7F6-B498-43B3-948B-1728B52AA6E4}">
+                <adec:decorative xmlns:adec="http://schemas.microsoft.com/office/drawing/2017/decorative" val="1"/>
+              </a:ext>
+            </a:extLst>
+          </p:cNvPr>
+          <p:cNvCxnSpPr>
+            <a:cxnSpLocks noGrp="1" noRot="1" noChangeAspect="1" noMove="1" noResize="1" noEditPoints="1" noAdjustHandles="1" noChangeArrowheads="1" noChangeShapeType="1"/>
+          </p:cNvCxnSpPr>
+          <p:nvPr>
+            <p:extLst>
+              <p:ext uri="{386F3935-93C4-4BCD-93E2-E3B085C9AB24}">
+                <p16:designElem xmlns:p16="http://schemas.microsoft.com/office/powerpoint/2015/main" val="1"/>
+              </p:ext>
+            </p:extLst>
+          </p:nvPr>
+        </p:nvCxnSpPr>
+        <p:spPr>
+          <a:xfrm flipH="1">
+            <a:off x="8228012" y="8467"/>
+            <a:ext cx="3810000" cy="3810000"/>
+          </a:xfrm>
+          <a:prstGeom prst="line">
+            <a:avLst/>
+          </a:prstGeom>
+          <a:ln w="12700">
+            <a:solidFill>
+              <a:schemeClr val="tx1"/>
+            </a:solidFill>
+          </a:ln>
+        </p:spPr>
+        <p:style>
+          <a:lnRef idx="2">
+            <a:schemeClr val="accent1"/>
+          </a:lnRef>
+          <a:fillRef idx="0">
+            <a:schemeClr val="accent1"/>
+          </a:fillRef>
+          <a:effectRef idx="1">
+            <a:schemeClr val="accent1"/>
+          </a:effectRef>
+          <a:fontRef idx="minor">
+            <a:schemeClr val="tx1"/>
+          </a:fontRef>
+        </p:style>
+      </p:cxnSp>
+      <p:cxnSp>
+        <p:nvCxnSpPr>
+          <p:cNvPr id="10" name="Straight Connector 9">
+            <a:extLst>
+              <a:ext uri="{FF2B5EF4-FFF2-40B4-BE49-F238E27FC236}">
+                <a16:creationId xmlns:a16="http://schemas.microsoft.com/office/drawing/2014/main" id="{08C9B4EE-7611-4ED9-B356-7BDD377C39B0}"/>
+              </a:ext>
+              <a:ext uri="{C183D7F6-B498-43B3-948B-1728B52AA6E4}">
+                <adec:decorative xmlns:adec="http://schemas.microsoft.com/office/drawing/2017/decorative" val="1"/>
+              </a:ext>
+            </a:extLst>
+          </p:cNvPr>
+          <p:cNvCxnSpPr>
+            <a:cxnSpLocks noGrp="1" noRot="1" noChangeAspect="1" noMove="1" noResize="1" noEditPoints="1" noAdjustHandles="1" noChangeArrowheads="1" noChangeShapeType="1"/>
+          </p:cNvCxnSpPr>
+          <p:nvPr>
+            <p:extLst>
+              <p:ext uri="{386F3935-93C4-4BCD-93E2-E3B085C9AB24}">
+                <p16:designElem xmlns:p16="http://schemas.microsoft.com/office/powerpoint/2015/main" val="1"/>
+              </p:ext>
+            </p:extLst>
+          </p:nvPr>
+        </p:nvCxnSpPr>
+        <p:spPr>
+          <a:xfrm flipH="1">
+            <a:off x="6108170" y="91545"/>
+            <a:ext cx="6080655" cy="6080655"/>
+          </a:xfrm>
+          <a:prstGeom prst="line">
+            <a:avLst/>
+          </a:prstGeom>
+          <a:ln w="12700">
+            <a:solidFill>
+              <a:schemeClr val="tx1"/>
+            </a:solidFill>
+          </a:ln>
+        </p:spPr>
+        <p:style>
+          <a:lnRef idx="2">
+            <a:schemeClr val="accent1"/>
+          </a:lnRef>
+          <a:fillRef idx="0">
+            <a:schemeClr val="accent1"/>
+          </a:fillRef>
+          <a:effectRef idx="1">
+            <a:schemeClr val="accent1"/>
+          </a:effectRef>
+          <a:fontRef idx="minor">
+            <a:schemeClr val="tx1"/>
+          </a:fontRef>
+        </p:style>
+      </p:cxnSp>
+      <p:cxnSp>
+        <p:nvCxnSpPr>
+          <p:cNvPr id="12" name="Straight Connector 11">
+            <a:extLst>
+              <a:ext uri="{FF2B5EF4-FFF2-40B4-BE49-F238E27FC236}">
+                <a16:creationId xmlns:a16="http://schemas.microsoft.com/office/drawing/2014/main" id="{4A4F266A-F2F7-47CD-8BBC-E3777E982FD2}"/>
+              </a:ext>
+              <a:ext uri="{C183D7F6-B498-43B3-948B-1728B52AA6E4}">
+                <adec:decorative xmlns:adec="http://schemas.microsoft.com/office/drawing/2017/decorative" val="1"/>
+              </a:ext>
+            </a:extLst>
+          </p:cNvPr>
+          <p:cNvCxnSpPr>
+            <a:cxnSpLocks noGrp="1" noRot="1" noChangeAspect="1" noMove="1" noResize="1" noEditPoints="1" noAdjustHandles="1" noChangeArrowheads="1" noChangeShapeType="1"/>
+          </p:cNvCxnSpPr>
+          <p:nvPr>
+            <p:extLst>
+              <p:ext uri="{386F3935-93C4-4BCD-93E2-E3B085C9AB24}">
+                <p16:designElem xmlns:p16="http://schemas.microsoft.com/office/powerpoint/2015/main" val="1"/>
+              </p:ext>
+            </p:extLst>
+          </p:nvPr>
+        </p:nvCxnSpPr>
+        <p:spPr>
+          <a:xfrm flipH="1">
+            <a:off x="7235825" y="228600"/>
+            <a:ext cx="4953000" cy="4953000"/>
+          </a:xfrm>
+          <a:prstGeom prst="line">
+            <a:avLst/>
+          </a:prstGeom>
+          <a:ln w="12700">
+            <a:solidFill>
+              <a:schemeClr val="tx1"/>
+            </a:solidFill>
+          </a:ln>
+        </p:spPr>
+        <p:style>
+          <a:lnRef idx="2">
+            <a:schemeClr val="accent1"/>
+          </a:lnRef>
+          <a:fillRef idx="0">
+            <a:schemeClr val="accent1"/>
+          </a:fillRef>
+          <a:effectRef idx="1">
+            <a:schemeClr val="accent1"/>
+          </a:effectRef>
+          <a:fontRef idx="minor">
+            <a:schemeClr val="tx1"/>
+          </a:fontRef>
+        </p:style>
+      </p:cxnSp>
+      <p:cxnSp>
+        <p:nvCxnSpPr>
+          <p:cNvPr id="14" name="Straight Connector 13">
+            <a:extLst>
+              <a:ext uri="{FF2B5EF4-FFF2-40B4-BE49-F238E27FC236}">
+                <a16:creationId xmlns:a16="http://schemas.microsoft.com/office/drawing/2014/main" id="{20D69C80-8919-4A32-B897-F2A21F940574}"/>
+              </a:ext>
+              <a:ext uri="{C183D7F6-B498-43B3-948B-1728B52AA6E4}">
+                <adec:decorative xmlns:adec="http://schemas.microsoft.com/office/drawing/2017/decorative" val="1"/>
+              </a:ext>
+            </a:extLst>
+          </p:cNvPr>
+          <p:cNvCxnSpPr>
+            <a:cxnSpLocks noGrp="1" noRot="1" noChangeAspect="1" noMove="1" noResize="1" noEditPoints="1" noAdjustHandles="1" noChangeArrowheads="1" noChangeShapeType="1"/>
+          </p:cNvCxnSpPr>
+          <p:nvPr>
+            <p:extLst>
+              <p:ext uri="{386F3935-93C4-4BCD-93E2-E3B085C9AB24}">
+                <p16:designElem xmlns:p16="http://schemas.microsoft.com/office/powerpoint/2015/main" val="1"/>
+              </p:ext>
+            </p:extLst>
+          </p:nvPr>
+        </p:nvCxnSpPr>
+        <p:spPr>
+          <a:xfrm flipH="1">
+            <a:off x="7335837" y="32278"/>
+            <a:ext cx="4852989" cy="4852989"/>
+          </a:xfrm>
+          <a:prstGeom prst="line">
+            <a:avLst/>
+          </a:prstGeom>
+          <a:ln w="31750">
+            <a:solidFill>
+              <a:schemeClr val="tx1"/>
+            </a:solidFill>
+          </a:ln>
+        </p:spPr>
+        <p:style>
+          <a:lnRef idx="2">
+            <a:schemeClr val="accent1"/>
+          </a:lnRef>
+          <a:fillRef idx="0">
+            <a:schemeClr val="accent1"/>
+          </a:fillRef>
+          <a:effectRef idx="1">
+            <a:schemeClr val="accent1"/>
+          </a:effectRef>
+          <a:fontRef idx="minor">
+            <a:schemeClr val="tx1"/>
+          </a:fontRef>
+        </p:style>
+      </p:cxnSp>
+      <p:cxnSp>
+        <p:nvCxnSpPr>
+          <p:cNvPr id="16" name="Straight Connector 15">
+            <a:extLst>
+              <a:ext uri="{FF2B5EF4-FFF2-40B4-BE49-F238E27FC236}">
+                <a16:creationId xmlns:a16="http://schemas.microsoft.com/office/drawing/2014/main" id="{F427B072-CC5B-481B-9719-8CD4C54444BE}"/>
+              </a:ext>
+              <a:ext uri="{C183D7F6-B498-43B3-948B-1728B52AA6E4}">
+                <adec:decorative xmlns:adec="http://schemas.microsoft.com/office/drawing/2017/decorative" val="1"/>
+              </a:ext>
+            </a:extLst>
+          </p:cNvPr>
+          <p:cNvCxnSpPr>
+            <a:cxnSpLocks noGrp="1" noRot="1" noChangeAspect="1" noMove="1" noResize="1" noEditPoints="1" noAdjustHandles="1" noChangeArrowheads="1" noChangeShapeType="1"/>
+          </p:cNvCxnSpPr>
+          <p:nvPr>
+            <p:extLst>
+              <p:ext uri="{386F3935-93C4-4BCD-93E2-E3B085C9AB24}">
+                <p16:designElem xmlns:p16="http://schemas.microsoft.com/office/powerpoint/2015/main" val="1"/>
+              </p:ext>
+            </p:extLst>
+          </p:nvPr>
+        </p:nvCxnSpPr>
+        <p:spPr>
+          <a:xfrm flipH="1">
+            <a:off x="7845426" y="609601"/>
+            <a:ext cx="4343399" cy="4343399"/>
+          </a:xfrm>
+          <a:prstGeom prst="line">
+            <a:avLst/>
+          </a:prstGeom>
+          <a:ln w="31750">
+            <a:solidFill>
+              <a:schemeClr val="tx1"/>
+            </a:solidFill>
+          </a:ln>
+        </p:spPr>
+        <p:style>
+          <a:lnRef idx="2">
+            <a:schemeClr val="accent1"/>
+          </a:lnRef>
+          <a:fillRef idx="0">
+            <a:schemeClr val="accent1"/>
+          </a:fillRef>
+          <a:effectRef idx="1">
+            <a:schemeClr val="accent1"/>
+          </a:effectRef>
+          <a:fontRef idx="minor">
+            <a:schemeClr val="tx1"/>
+          </a:fontRef>
+        </p:style>
+      </p:cxnSp>
+      <p:sp useBgFill="1">
+        <p:nvSpPr>
+          <p:cNvPr id="18" name="Rectangle 17">
+            <a:extLst>
+              <a:ext uri="{FF2B5EF4-FFF2-40B4-BE49-F238E27FC236}">
+                <a16:creationId xmlns:a16="http://schemas.microsoft.com/office/drawing/2014/main" id="{4609862E-48F9-45AC-8D44-67A0268A7935}"/>
+              </a:ext>
+              <a:ext uri="{C183D7F6-B498-43B3-948B-1728B52AA6E4}">
+                <adec:decorative xmlns:adec="http://schemas.microsoft.com/office/drawing/2017/decorative" val="1"/>
+              </a:ext>
+            </a:extLst>
+          </p:cNvPr>
+          <p:cNvSpPr>
+            <a:spLocks noGrp="1" noRot="1" noChangeAspect="1" noMove="1" noResize="1" noEditPoints="1" noAdjustHandles="1" noChangeArrowheads="1" noChangeShapeType="1" noTextEdit="1"/>
+          </p:cNvSpPr>
+          <p:nvPr>
+            <p:extLst>
+              <p:ext uri="{386F3935-93C4-4BCD-93E2-E3B085C9AB24}">
+                <p16:designElem xmlns:p16="http://schemas.microsoft.com/office/powerpoint/2015/main" val="1"/>
+              </p:ext>
+            </p:extLst>
+          </p:nvPr>
+        </p:nvSpPr>
+        <p:spPr>
+          <a:xfrm>
+            <a:off x="0" y="0"/>
+            <a:ext cx="12192000" cy="6858000"/>
+          </a:xfrm>
+          <a:prstGeom prst="rect">
+            <a:avLst/>
+          </a:prstGeom>
+          <a:ln>
+            <a:noFill/>
+          </a:ln>
+        </p:spPr>
+        <p:style>
+          <a:lnRef idx="2">
+            <a:schemeClr val="accent1">
+              <a:shade val="50000"/>
+            </a:schemeClr>
+          </a:lnRef>
+          <a:fillRef idx="1">
+            <a:schemeClr val="accent1"/>
+          </a:fillRef>
+          <a:effectRef idx="0">
+            <a:schemeClr val="accent1"/>
+          </a:effectRef>
+          <a:fontRef idx="minor">
+            <a:schemeClr val="lt1"/>
+          </a:fontRef>
+        </p:style>
+        <p:txBody>
+          <a:bodyPr rtlCol="0" anchor="ctr"/>
+          <a:lstStyle/>
+          <a:p>
+            <a:pPr algn="ctr"/>
+            <a:endParaRPr lang="en-US"/>
+          </a:p>
+        </p:txBody>
+      </p:sp>
+      <p:grpSp>
+        <p:nvGrpSpPr>
+          <p:cNvPr id="20" name="Group 19">
+            <a:extLst>
+              <a:ext uri="{FF2B5EF4-FFF2-40B4-BE49-F238E27FC236}">
+                <a16:creationId xmlns:a16="http://schemas.microsoft.com/office/drawing/2014/main" id="{C97986E7-0E3C-4F64-886E-935DDCB83AA7}"/>
+              </a:ext>
+              <a:ext uri="{C183D7F6-B498-43B3-948B-1728B52AA6E4}">
+                <adec:decorative xmlns:adec="http://schemas.microsoft.com/office/drawing/2017/decorative" val="1"/>
+              </a:ext>
+            </a:extLst>
+          </p:cNvPr>
+          <p:cNvGrpSpPr>
+            <a:grpSpLocks noGrp="1" noUngrp="1" noRot="1" noChangeAspect="1" noMove="1" noResize="1"/>
+          </p:cNvGrpSpPr>
+          <p:nvPr>
+            <p:extLst>
+              <p:ext uri="{386F3935-93C4-4BCD-93E2-E3B085C9AB24}">
+                <p16:designElem xmlns:p16="http://schemas.microsoft.com/office/powerpoint/2015/main" val="1"/>
+              </p:ext>
+            </p:extLst>
+          </p:nvPr>
+        </p:nvGrpSpPr>
+        <p:grpSpPr>
+          <a:xfrm>
+            <a:off x="7773033" y="1420238"/>
+            <a:ext cx="4415786" cy="4751961"/>
+            <a:chOff x="9206969" y="2963333"/>
+            <a:chExt cx="2981858" cy="3208867"/>
+          </a:xfrm>
+        </p:grpSpPr>
+        <p:cxnSp>
+          <p:nvCxnSpPr>
+            <p:cNvPr id="21" name="Straight Connector 20">
+              <a:extLst>
+                <a:ext uri="{FF2B5EF4-FFF2-40B4-BE49-F238E27FC236}">
+                  <a16:creationId xmlns:a16="http://schemas.microsoft.com/office/drawing/2014/main" id="{B903D17F-F79E-40E5-9563-A1CFFCC06A2A}"/>
+                </a:ext>
+                <a:ext uri="{C183D7F6-B498-43B3-948B-1728B52AA6E4}">
+                  <adec:decorative xmlns:adec="http://schemas.microsoft.com/office/drawing/2017/decorative" val="1"/>
+                </a:ext>
+              </a:extLst>
+            </p:cNvPr>
+            <p:cNvCxnSpPr/>
+            <p:nvPr>
+              <p:extLst>
+                <p:ext uri="{386F3935-93C4-4BCD-93E2-E3B085C9AB24}">
+                  <p16:designElem xmlns:p16="http://schemas.microsoft.com/office/powerpoint/2015/main" val="1"/>
+                </p:ext>
+              </p:extLst>
+            </p:nvPr>
+          </p:nvCxnSpPr>
+          <p:spPr>
+            <a:xfrm flipH="1">
+              <a:off x="11276012" y="2963333"/>
+              <a:ext cx="912814" cy="912812"/>
+            </a:xfrm>
+            <a:prstGeom prst="line">
+              <a:avLst/>
+            </a:prstGeom>
+            <a:ln w="9525">
+              <a:solidFill>
+                <a:schemeClr val="tx2">
+                  <a:lumMod val="75000"/>
+                  <a:alpha val="80000"/>
+                </a:schemeClr>
+              </a:solidFill>
+            </a:ln>
+          </p:spPr>
+          <p:style>
+            <a:lnRef idx="2">
+              <a:schemeClr val="accent1"/>
+            </a:lnRef>
+            <a:fillRef idx="0">
+              <a:schemeClr val="accent1"/>
+            </a:fillRef>
+            <a:effectRef idx="1">
+              <a:schemeClr val="accent1"/>
+            </a:effectRef>
+            <a:fontRef idx="minor">
+              <a:schemeClr val="tx1"/>
+            </a:fontRef>
+          </p:style>
+        </p:cxnSp>
+        <p:cxnSp>
+          <p:nvCxnSpPr>
+            <p:cNvPr id="22" name="Straight Connector 21">
+              <a:extLst>
+                <a:ext uri="{FF2B5EF4-FFF2-40B4-BE49-F238E27FC236}">
+                  <a16:creationId xmlns:a16="http://schemas.microsoft.com/office/drawing/2014/main" id="{CA5D5775-627F-4588-82B3-905EDF23138E}"/>
+                </a:ext>
+                <a:ext uri="{C183D7F6-B498-43B3-948B-1728B52AA6E4}">
+                  <adec:decorative xmlns:adec="http://schemas.microsoft.com/office/drawing/2017/decorative" val="1"/>
+                </a:ext>
+              </a:extLst>
+            </p:cNvPr>
+            <p:cNvCxnSpPr/>
+            <p:nvPr>
+              <p:extLst>
+                <p:ext uri="{386F3935-93C4-4BCD-93E2-E3B085C9AB24}">
+                  <p16:designElem xmlns:p16="http://schemas.microsoft.com/office/powerpoint/2015/main" val="1"/>
+                </p:ext>
+              </p:extLst>
+            </p:nvPr>
+          </p:nvCxnSpPr>
+          <p:spPr>
+            <a:xfrm flipH="1">
+              <a:off x="9206969" y="3190344"/>
+              <a:ext cx="2981857" cy="2981856"/>
+            </a:xfrm>
+            <a:prstGeom prst="line">
+              <a:avLst/>
+            </a:prstGeom>
+            <a:ln w="9525">
+              <a:solidFill>
+                <a:schemeClr val="tx2">
+                  <a:lumMod val="75000"/>
+                  <a:alpha val="80000"/>
+                </a:schemeClr>
+              </a:solidFill>
+            </a:ln>
+          </p:spPr>
+          <p:style>
+            <a:lnRef idx="2">
+              <a:schemeClr val="accent1"/>
+            </a:lnRef>
+            <a:fillRef idx="0">
+              <a:schemeClr val="accent1"/>
+            </a:fillRef>
+            <a:effectRef idx="1">
+              <a:schemeClr val="accent1"/>
+            </a:effectRef>
+            <a:fontRef idx="minor">
+              <a:schemeClr val="tx1"/>
+            </a:fontRef>
+          </p:style>
+        </p:cxnSp>
+        <p:cxnSp>
+          <p:nvCxnSpPr>
+            <p:cNvPr id="23" name="Straight Connector 22">
+              <a:extLst>
+                <a:ext uri="{FF2B5EF4-FFF2-40B4-BE49-F238E27FC236}">
+                  <a16:creationId xmlns:a16="http://schemas.microsoft.com/office/drawing/2014/main" id="{7D7F2A20-5DE4-4BC0-91EA-5FFE33A4D3A9}"/>
+                </a:ext>
+                <a:ext uri="{C183D7F6-B498-43B3-948B-1728B52AA6E4}">
+                  <adec:decorative xmlns:adec="http://schemas.microsoft.com/office/drawing/2017/decorative" val="1"/>
+                </a:ext>
+              </a:extLst>
+            </p:cNvPr>
+            <p:cNvCxnSpPr/>
+            <p:nvPr>
+              <p:extLst>
+                <p:ext uri="{386F3935-93C4-4BCD-93E2-E3B085C9AB24}">
+                  <p16:designElem xmlns:p16="http://schemas.microsoft.com/office/powerpoint/2015/main" val="1"/>
+                </p:ext>
+              </p:extLst>
+            </p:nvPr>
+          </p:nvCxnSpPr>
+          <p:spPr>
+            <a:xfrm flipH="1">
+              <a:off x="10292292" y="3285067"/>
+              <a:ext cx="1896534" cy="1896533"/>
+            </a:xfrm>
+            <a:prstGeom prst="line">
+              <a:avLst/>
+            </a:prstGeom>
+            <a:ln w="9525">
+              <a:solidFill>
+                <a:schemeClr val="tx2">
+                  <a:lumMod val="75000"/>
+                  <a:alpha val="80000"/>
+                </a:schemeClr>
+              </a:solidFill>
+            </a:ln>
+          </p:spPr>
+          <p:style>
+            <a:lnRef idx="2">
+              <a:schemeClr val="accent1"/>
+            </a:lnRef>
+            <a:fillRef idx="0">
+              <a:schemeClr val="accent1"/>
+            </a:fillRef>
+            <a:effectRef idx="1">
+              <a:schemeClr val="accent1"/>
+            </a:effectRef>
+            <a:fontRef idx="minor">
+              <a:schemeClr val="tx1"/>
+            </a:fontRef>
+          </p:style>
+        </p:cxnSp>
+        <p:cxnSp>
+          <p:nvCxnSpPr>
+            <p:cNvPr id="24" name="Straight Connector 23">
+              <a:extLst>
+                <a:ext uri="{FF2B5EF4-FFF2-40B4-BE49-F238E27FC236}">
+                  <a16:creationId xmlns:a16="http://schemas.microsoft.com/office/drawing/2014/main" id="{3D536BA0-56C7-429C-B41E-B5724F0CD4C4}"/>
+                </a:ext>
+                <a:ext uri="{C183D7F6-B498-43B3-948B-1728B52AA6E4}">
+                  <adec:decorative xmlns:adec="http://schemas.microsoft.com/office/drawing/2017/decorative" val="1"/>
+                </a:ext>
+              </a:extLst>
+            </p:cNvPr>
+            <p:cNvCxnSpPr/>
+            <p:nvPr>
+              <p:extLst>
+                <p:ext uri="{386F3935-93C4-4BCD-93E2-E3B085C9AB24}">
+                  <p16:designElem xmlns:p16="http://schemas.microsoft.com/office/powerpoint/2015/main" val="1"/>
+                </p:ext>
+              </p:extLst>
+            </p:nvPr>
+          </p:nvCxnSpPr>
+          <p:spPr>
+            <a:xfrm flipH="1">
+              <a:off x="10443103" y="3131080"/>
+              <a:ext cx="1745722" cy="1745720"/>
+            </a:xfrm>
+            <a:prstGeom prst="line">
+              <a:avLst/>
+            </a:prstGeom>
+            <a:ln w="28575">
+              <a:solidFill>
+                <a:schemeClr val="tx2">
+                  <a:lumMod val="75000"/>
+                  <a:alpha val="80000"/>
+                </a:schemeClr>
+              </a:solidFill>
+            </a:ln>
+          </p:spPr>
+          <p:style>
+            <a:lnRef idx="2">
+              <a:schemeClr val="accent1"/>
+            </a:lnRef>
+            <a:fillRef idx="0">
+              <a:schemeClr val="accent1"/>
+            </a:fillRef>
+            <a:effectRef idx="1">
+              <a:schemeClr val="accent1"/>
+            </a:effectRef>
+            <a:fontRef idx="minor">
+              <a:schemeClr val="tx1"/>
+            </a:fontRef>
+          </p:style>
+        </p:cxnSp>
+        <p:cxnSp>
+          <p:nvCxnSpPr>
+            <p:cNvPr id="25" name="Straight Connector 24">
+              <a:extLst>
+                <a:ext uri="{FF2B5EF4-FFF2-40B4-BE49-F238E27FC236}">
+                  <a16:creationId xmlns:a16="http://schemas.microsoft.com/office/drawing/2014/main" id="{1F15726F-71BE-4007-B9B6-0A1AA0D5201D}"/>
+                </a:ext>
+                <a:ext uri="{C183D7F6-B498-43B3-948B-1728B52AA6E4}">
+                  <adec:decorative xmlns:adec="http://schemas.microsoft.com/office/drawing/2017/decorative" val="1"/>
+                </a:ext>
+              </a:extLst>
+            </p:cNvPr>
+            <p:cNvCxnSpPr/>
+            <p:nvPr>
+              <p:extLst>
+                <p:ext uri="{386F3935-93C4-4BCD-93E2-E3B085C9AB24}">
+                  <p16:designElem xmlns:p16="http://schemas.microsoft.com/office/powerpoint/2015/main" val="1"/>
+                </p:ext>
+              </p:extLst>
+            </p:nvPr>
+          </p:nvCxnSpPr>
+          <p:spPr>
+            <a:xfrm flipH="1">
+              <a:off x="10918826" y="3683001"/>
+              <a:ext cx="1270001" cy="1269999"/>
+            </a:xfrm>
+            <a:prstGeom prst="line">
+              <a:avLst/>
+            </a:prstGeom>
+            <a:ln w="28575">
+              <a:solidFill>
+                <a:schemeClr val="tx2">
+                  <a:lumMod val="75000"/>
+                  <a:alpha val="80000"/>
+                </a:schemeClr>
+              </a:solidFill>
+            </a:ln>
+          </p:spPr>
+          <p:style>
+            <a:lnRef idx="2">
+              <a:schemeClr val="accent1"/>
+            </a:lnRef>
+            <a:fillRef idx="0">
+              <a:schemeClr val="accent1"/>
+            </a:fillRef>
+            <a:effectRef idx="1">
+              <a:schemeClr val="accent1"/>
+            </a:effectRef>
+            <a:fontRef idx="minor">
+              <a:schemeClr val="tx1"/>
+            </a:fontRef>
+          </p:style>
+        </p:cxnSp>
+      </p:grpSp>
+      <p:sp>
+        <p:nvSpPr>
+          <p:cNvPr id="2" name="Title 1">
+            <a:extLst>
+              <a:ext uri="{FF2B5EF4-FFF2-40B4-BE49-F238E27FC236}">
+                <a16:creationId xmlns:a16="http://schemas.microsoft.com/office/drawing/2014/main" id="{C94D272D-E2A7-4723-9B04-A9630186431A}"/>
+              </a:ext>
+            </a:extLst>
+          </p:cNvPr>
+          <p:cNvSpPr>
+            <a:spLocks noGrp="1"/>
+          </p:cNvSpPr>
+          <p:nvPr>
+            <p:ph type="title"/>
+          </p:nvPr>
+        </p:nvSpPr>
+        <p:spPr>
+          <a:xfrm>
+            <a:off x="684211" y="685799"/>
+            <a:ext cx="8420877" cy="2971801"/>
+          </a:xfrm>
+        </p:spPr>
+        <p:txBody>
+          <a:bodyPr vert="horz" lIns="91440" tIns="45720" rIns="91440" bIns="45720" rtlCol="0" anchor="b">
+            <a:normAutofit/>
+          </a:bodyPr>
+          <a:lstStyle/>
+          <a:p>
+            <a:r>
+              <a:rPr lang="en-US" sz="4800"/>
+              <a:t>Demo</a:t>
+            </a:r>
+          </a:p>
+        </p:txBody>
+      </p:sp>
+    </p:spTree>
+    <p:extLst>
+      <p:ext uri="{BB962C8B-B14F-4D97-AF65-F5344CB8AC3E}">
+        <p14:creationId xmlns:p14="http://schemas.microsoft.com/office/powerpoint/2010/main" val="4071157762"/>
+      </p:ext>
+    </p:extLst>
+  </p:cSld>
+  <p:clrMapOvr>
+    <a:masterClrMapping/>
+  </p:clrMapOvr>
+</p:sld>
+</file>
+
+<file path=ppt/slides/slide17.xml><?xml version="1.0" encoding="utf-8"?>
 <p:sld xmlns:a="http://schemas.openxmlformats.org/drawingml/2006/main" xmlns:r="http://schemas.openxmlformats.org/officeDocument/2006/relationships" xmlns:p="http://schemas.openxmlformats.org/presentationml/2006/main">
   <p:cSld>
     <p:bg>
@@ -16014,7 +16933,7 @@
 </p:sld>
 </file>
 
-<file path=ppt/slides/slide16.xml><?xml version="1.0" encoding="utf-8"?>
+<file path=ppt/slides/slide18.xml><?xml version="1.0" encoding="utf-8"?>
 <p:sld xmlns:a="http://schemas.openxmlformats.org/drawingml/2006/main" xmlns:r="http://schemas.openxmlformats.org/officeDocument/2006/relationships" xmlns:p="http://schemas.openxmlformats.org/presentationml/2006/main">
   <p:cSld>
     <p:bg>
@@ -16645,7 +17564,7 @@
 </p:sld>
 </file>
 
-<file path=ppt/slides/slide17.xml><?xml version="1.0" encoding="utf-8"?>
+<file path=ppt/slides/slide19.xml><?xml version="1.0" encoding="utf-8"?>
 <p:sld xmlns:a="http://schemas.openxmlformats.org/drawingml/2006/main" xmlns:r="http://schemas.openxmlformats.org/officeDocument/2006/relationships" xmlns:p="http://schemas.openxmlformats.org/presentationml/2006/main">
   <p:cSld>
     <p:bg>
@@ -17281,7 +18200,633 @@
 </p:sld>
 </file>
 
-<file path=ppt/slides/slide18.xml><?xml version="1.0" encoding="utf-8"?>
+<file path=ppt/slides/slide2.xml><?xml version="1.0" encoding="utf-8"?>
+<p:sld xmlns:a="http://schemas.openxmlformats.org/drawingml/2006/main" xmlns:r="http://schemas.openxmlformats.org/officeDocument/2006/relationships" xmlns:p="http://schemas.openxmlformats.org/presentationml/2006/main">
+  <p:cSld>
+    <p:bg>
+      <p:bgPr>
+        <a:gradFill rotWithShape="1">
+          <a:gsLst>
+            <a:gs pos="10000">
+              <a:schemeClr val="bg1">
+                <a:tint val="97000"/>
+                <a:hueMod val="92000"/>
+                <a:satMod val="169000"/>
+                <a:lumMod val="164000"/>
+              </a:schemeClr>
+            </a:gs>
+            <a:gs pos="100000">
+              <a:schemeClr val="bg1">
+                <a:shade val="96000"/>
+                <a:satMod val="120000"/>
+                <a:lumMod val="90000"/>
+              </a:schemeClr>
+            </a:gs>
+          </a:gsLst>
+          <a:lin ang="6120000" scaled="1"/>
+        </a:gradFill>
+        <a:effectLst/>
+      </p:bgPr>
+    </p:bg>
+    <p:spTree>
+      <p:nvGrpSpPr>
+        <p:cNvPr id="1" name=""/>
+        <p:cNvGrpSpPr/>
+        <p:nvPr/>
+      </p:nvGrpSpPr>
+      <p:grpSpPr>
+        <a:xfrm>
+          <a:off x="0" y="0"/>
+          <a:ext cx="0" cy="0"/>
+          <a:chOff x="0" y="0"/>
+          <a:chExt cx="0" cy="0"/>
+        </a:xfrm>
+      </p:grpSpPr>
+      <p:sp useBgFill="1">
+        <p:nvSpPr>
+          <p:cNvPr id="8" name="Rectangle 7">
+            <a:extLst>
+              <a:ext uri="{FF2B5EF4-FFF2-40B4-BE49-F238E27FC236}">
+                <a16:creationId xmlns:a16="http://schemas.microsoft.com/office/drawing/2014/main" id="{CADF2543-1B6F-4FBC-A7AF-53A0430E05AB}"/>
+              </a:ext>
+              <a:ext uri="{C183D7F6-B498-43B3-948B-1728B52AA6E4}">
+                <adec:decorative xmlns:adec="http://schemas.microsoft.com/office/drawing/2017/decorative" val="1"/>
+              </a:ext>
+            </a:extLst>
+          </p:cNvPr>
+          <p:cNvSpPr>
+            <a:spLocks noGrp="1" noRot="1" noChangeAspect="1" noMove="1" noResize="1" noEditPoints="1" noAdjustHandles="1" noChangeArrowheads="1" noChangeShapeType="1" noTextEdit="1"/>
+          </p:cNvSpPr>
+          <p:nvPr>
+            <p:extLst>
+              <p:ext uri="{386F3935-93C4-4BCD-93E2-E3B085C9AB24}">
+                <p16:designElem xmlns:p16="http://schemas.microsoft.com/office/powerpoint/2015/main" val="1"/>
+              </p:ext>
+            </p:extLst>
+          </p:nvPr>
+        </p:nvSpPr>
+        <p:spPr>
+          <a:xfrm>
+            <a:off x="0" y="0"/>
+            <a:ext cx="12192000" cy="6858000"/>
+          </a:xfrm>
+          <a:prstGeom prst="rect">
+            <a:avLst/>
+          </a:prstGeom>
+          <a:ln>
+            <a:noFill/>
+          </a:ln>
+        </p:spPr>
+        <p:style>
+          <a:lnRef idx="2">
+            <a:schemeClr val="accent1">
+              <a:shade val="50000"/>
+            </a:schemeClr>
+          </a:lnRef>
+          <a:fillRef idx="1">
+            <a:schemeClr val="accent1"/>
+          </a:fillRef>
+          <a:effectRef idx="0">
+            <a:schemeClr val="accent1"/>
+          </a:effectRef>
+          <a:fontRef idx="minor">
+            <a:schemeClr val="lt1"/>
+          </a:fontRef>
+        </p:style>
+        <p:txBody>
+          <a:bodyPr rtlCol="0" anchor="ctr"/>
+          <a:lstStyle/>
+          <a:p>
+            <a:pPr algn="ctr"/>
+            <a:endParaRPr lang="en-US"/>
+          </a:p>
+        </p:txBody>
+      </p:sp>
+      <p:sp>
+        <p:nvSpPr>
+          <p:cNvPr id="2" name="Title 1">
+            <a:extLst>
+              <a:ext uri="{FF2B5EF4-FFF2-40B4-BE49-F238E27FC236}">
+                <a16:creationId xmlns:a16="http://schemas.microsoft.com/office/drawing/2014/main" id="{DD5B673E-4978-4924-9455-F15B9061E49D}"/>
+              </a:ext>
+            </a:extLst>
+          </p:cNvPr>
+          <p:cNvSpPr>
+            <a:spLocks noGrp="1"/>
+          </p:cNvSpPr>
+          <p:nvPr>
+            <p:ph type="title"/>
+          </p:nvPr>
+        </p:nvSpPr>
+        <p:spPr>
+          <a:xfrm>
+            <a:off x="684212" y="485244"/>
+            <a:ext cx="8534400" cy="1507067"/>
+          </a:xfrm>
+        </p:spPr>
+        <p:txBody>
+          <a:bodyPr>
+            <a:normAutofit/>
+          </a:bodyPr>
+          <a:lstStyle/>
+          <a:p>
+            <a:r>
+              <a:rPr lang="en-US"/>
+              <a:t>Sia Ghassemi</a:t>
+            </a:r>
+          </a:p>
+        </p:txBody>
+      </p:sp>
+      <p:grpSp>
+        <p:nvGrpSpPr>
+          <p:cNvPr id="10" name="Group 9">
+            <a:extLst>
+              <a:ext uri="{FF2B5EF4-FFF2-40B4-BE49-F238E27FC236}">
+                <a16:creationId xmlns:a16="http://schemas.microsoft.com/office/drawing/2014/main" id="{A80A6E81-6B71-43DF-877B-E964A9A4CB68}"/>
+              </a:ext>
+              <a:ext uri="{C183D7F6-B498-43B3-948B-1728B52AA6E4}">
+                <adec:decorative xmlns:adec="http://schemas.microsoft.com/office/drawing/2017/decorative" val="1"/>
+              </a:ext>
+            </a:extLst>
+          </p:cNvPr>
+          <p:cNvGrpSpPr>
+            <a:grpSpLocks noGrp="1" noUngrp="1" noRot="1" noChangeAspect="1" noMove="1" noResize="1"/>
+          </p:cNvGrpSpPr>
+          <p:nvPr>
+            <p:extLst>
+              <p:ext uri="{386F3935-93C4-4BCD-93E2-E3B085C9AB24}">
+                <p16:designElem xmlns:p16="http://schemas.microsoft.com/office/powerpoint/2015/main" val="1"/>
+              </p:ext>
+            </p:extLst>
+          </p:nvPr>
+        </p:nvGrpSpPr>
+        <p:grpSpPr>
+          <a:xfrm>
+            <a:off x="9206969" y="2963333"/>
+            <a:ext cx="2981858" cy="3208867"/>
+            <a:chOff x="9206969" y="2963333"/>
+            <a:chExt cx="2981858" cy="3208867"/>
+          </a:xfrm>
+        </p:grpSpPr>
+        <p:cxnSp>
+          <p:nvCxnSpPr>
+            <p:cNvPr id="11" name="Straight Connector 10">
+              <a:extLst>
+                <a:ext uri="{FF2B5EF4-FFF2-40B4-BE49-F238E27FC236}">
+                  <a16:creationId xmlns:a16="http://schemas.microsoft.com/office/drawing/2014/main" id="{4E35C3AD-357F-4004-A3F3-2D4EAF34A63D}"/>
+                </a:ext>
+                <a:ext uri="{C183D7F6-B498-43B3-948B-1728B52AA6E4}">
+                  <adec:decorative xmlns:adec="http://schemas.microsoft.com/office/drawing/2017/decorative" val="1"/>
+                </a:ext>
+              </a:extLst>
+            </p:cNvPr>
+            <p:cNvCxnSpPr/>
+            <p:nvPr>
+              <p:extLst>
+                <p:ext uri="{386F3935-93C4-4BCD-93E2-E3B085C9AB24}">
+                  <p16:designElem xmlns:p16="http://schemas.microsoft.com/office/powerpoint/2015/main" val="1"/>
+                </p:ext>
+              </p:extLst>
+            </p:nvPr>
+          </p:nvCxnSpPr>
+          <p:spPr>
+            <a:xfrm flipH="1">
+              <a:off x="11276012" y="2963333"/>
+              <a:ext cx="912814" cy="912812"/>
+            </a:xfrm>
+            <a:prstGeom prst="line">
+              <a:avLst/>
+            </a:prstGeom>
+            <a:ln w="9525">
+              <a:solidFill>
+                <a:schemeClr val="tx2">
+                  <a:lumMod val="75000"/>
+                  <a:alpha val="80000"/>
+                </a:schemeClr>
+              </a:solidFill>
+            </a:ln>
+          </p:spPr>
+          <p:style>
+            <a:lnRef idx="2">
+              <a:schemeClr val="accent1"/>
+            </a:lnRef>
+            <a:fillRef idx="0">
+              <a:schemeClr val="accent1"/>
+            </a:fillRef>
+            <a:effectRef idx="1">
+              <a:schemeClr val="accent1"/>
+            </a:effectRef>
+            <a:fontRef idx="minor">
+              <a:schemeClr val="tx1"/>
+            </a:fontRef>
+          </p:style>
+        </p:cxnSp>
+        <p:cxnSp>
+          <p:nvCxnSpPr>
+            <p:cNvPr id="12" name="Straight Connector 11">
+              <a:extLst>
+                <a:ext uri="{FF2B5EF4-FFF2-40B4-BE49-F238E27FC236}">
+                  <a16:creationId xmlns:a16="http://schemas.microsoft.com/office/drawing/2014/main" id="{337B6032-0A70-4F26-A9A3-B4D60DF11818}"/>
+                </a:ext>
+                <a:ext uri="{C183D7F6-B498-43B3-948B-1728B52AA6E4}">
+                  <adec:decorative xmlns:adec="http://schemas.microsoft.com/office/drawing/2017/decorative" val="1"/>
+                </a:ext>
+              </a:extLst>
+            </p:cNvPr>
+            <p:cNvCxnSpPr/>
+            <p:nvPr>
+              <p:extLst>
+                <p:ext uri="{386F3935-93C4-4BCD-93E2-E3B085C9AB24}">
+                  <p16:designElem xmlns:p16="http://schemas.microsoft.com/office/powerpoint/2015/main" val="1"/>
+                </p:ext>
+              </p:extLst>
+            </p:nvPr>
+          </p:nvCxnSpPr>
+          <p:spPr>
+            <a:xfrm flipH="1">
+              <a:off x="9206969" y="3190344"/>
+              <a:ext cx="2981857" cy="2981856"/>
+            </a:xfrm>
+            <a:prstGeom prst="line">
+              <a:avLst/>
+            </a:prstGeom>
+            <a:ln w="9525">
+              <a:solidFill>
+                <a:schemeClr val="tx2">
+                  <a:lumMod val="75000"/>
+                  <a:alpha val="80000"/>
+                </a:schemeClr>
+              </a:solidFill>
+            </a:ln>
+          </p:spPr>
+          <p:style>
+            <a:lnRef idx="2">
+              <a:schemeClr val="accent1"/>
+            </a:lnRef>
+            <a:fillRef idx="0">
+              <a:schemeClr val="accent1"/>
+            </a:fillRef>
+            <a:effectRef idx="1">
+              <a:schemeClr val="accent1"/>
+            </a:effectRef>
+            <a:fontRef idx="minor">
+              <a:schemeClr val="tx1"/>
+            </a:fontRef>
+          </p:style>
+        </p:cxnSp>
+        <p:cxnSp>
+          <p:nvCxnSpPr>
+            <p:cNvPr id="13" name="Straight Connector 12">
+              <a:extLst>
+                <a:ext uri="{FF2B5EF4-FFF2-40B4-BE49-F238E27FC236}">
+                  <a16:creationId xmlns:a16="http://schemas.microsoft.com/office/drawing/2014/main" id="{DE192CE3-3DD1-448F-93BE-42983DA0D5A9}"/>
+                </a:ext>
+                <a:ext uri="{C183D7F6-B498-43B3-948B-1728B52AA6E4}">
+                  <adec:decorative xmlns:adec="http://schemas.microsoft.com/office/drawing/2017/decorative" val="1"/>
+                </a:ext>
+              </a:extLst>
+            </p:cNvPr>
+            <p:cNvCxnSpPr/>
+            <p:nvPr>
+              <p:extLst>
+                <p:ext uri="{386F3935-93C4-4BCD-93E2-E3B085C9AB24}">
+                  <p16:designElem xmlns:p16="http://schemas.microsoft.com/office/powerpoint/2015/main" val="1"/>
+                </p:ext>
+              </p:extLst>
+            </p:nvPr>
+          </p:nvCxnSpPr>
+          <p:spPr>
+            <a:xfrm flipH="1">
+              <a:off x="10292292" y="3285067"/>
+              <a:ext cx="1896534" cy="1896533"/>
+            </a:xfrm>
+            <a:prstGeom prst="line">
+              <a:avLst/>
+            </a:prstGeom>
+            <a:ln w="9525">
+              <a:solidFill>
+                <a:schemeClr val="tx2">
+                  <a:lumMod val="75000"/>
+                  <a:alpha val="80000"/>
+                </a:schemeClr>
+              </a:solidFill>
+            </a:ln>
+          </p:spPr>
+          <p:style>
+            <a:lnRef idx="2">
+              <a:schemeClr val="accent1"/>
+            </a:lnRef>
+            <a:fillRef idx="0">
+              <a:schemeClr val="accent1"/>
+            </a:fillRef>
+            <a:effectRef idx="1">
+              <a:schemeClr val="accent1"/>
+            </a:effectRef>
+            <a:fontRef idx="minor">
+              <a:schemeClr val="tx1"/>
+            </a:fontRef>
+          </p:style>
+        </p:cxnSp>
+        <p:cxnSp>
+          <p:nvCxnSpPr>
+            <p:cNvPr id="14" name="Straight Connector 13">
+              <a:extLst>
+                <a:ext uri="{FF2B5EF4-FFF2-40B4-BE49-F238E27FC236}">
+                  <a16:creationId xmlns:a16="http://schemas.microsoft.com/office/drawing/2014/main" id="{E6D3DA09-5C72-4562-BEDE-1937DF87E81D}"/>
+                </a:ext>
+                <a:ext uri="{C183D7F6-B498-43B3-948B-1728B52AA6E4}">
+                  <adec:decorative xmlns:adec="http://schemas.microsoft.com/office/drawing/2017/decorative" val="1"/>
+                </a:ext>
+              </a:extLst>
+            </p:cNvPr>
+            <p:cNvCxnSpPr/>
+            <p:nvPr>
+              <p:extLst>
+                <p:ext uri="{386F3935-93C4-4BCD-93E2-E3B085C9AB24}">
+                  <p16:designElem xmlns:p16="http://schemas.microsoft.com/office/powerpoint/2015/main" val="1"/>
+                </p:ext>
+              </p:extLst>
+            </p:nvPr>
+          </p:nvCxnSpPr>
+          <p:spPr>
+            <a:xfrm flipH="1">
+              <a:off x="10443103" y="3131080"/>
+              <a:ext cx="1745722" cy="1745720"/>
+            </a:xfrm>
+            <a:prstGeom prst="line">
+              <a:avLst/>
+            </a:prstGeom>
+            <a:ln w="28575">
+              <a:solidFill>
+                <a:schemeClr val="tx2">
+                  <a:lumMod val="75000"/>
+                  <a:alpha val="80000"/>
+                </a:schemeClr>
+              </a:solidFill>
+            </a:ln>
+          </p:spPr>
+          <p:style>
+            <a:lnRef idx="2">
+              <a:schemeClr val="accent1"/>
+            </a:lnRef>
+            <a:fillRef idx="0">
+              <a:schemeClr val="accent1"/>
+            </a:fillRef>
+            <a:effectRef idx="1">
+              <a:schemeClr val="accent1"/>
+            </a:effectRef>
+            <a:fontRef idx="minor">
+              <a:schemeClr val="tx1"/>
+            </a:fontRef>
+          </p:style>
+        </p:cxnSp>
+        <p:cxnSp>
+          <p:nvCxnSpPr>
+            <p:cNvPr id="15" name="Straight Connector 14">
+              <a:extLst>
+                <a:ext uri="{FF2B5EF4-FFF2-40B4-BE49-F238E27FC236}">
+                  <a16:creationId xmlns:a16="http://schemas.microsoft.com/office/drawing/2014/main" id="{D6ACA7CA-2A20-49D7-9053-E076463D79A3}"/>
+                </a:ext>
+                <a:ext uri="{C183D7F6-B498-43B3-948B-1728B52AA6E4}">
+                  <adec:decorative xmlns:adec="http://schemas.microsoft.com/office/drawing/2017/decorative" val="1"/>
+                </a:ext>
+              </a:extLst>
+            </p:cNvPr>
+            <p:cNvCxnSpPr/>
+            <p:nvPr>
+              <p:extLst>
+                <p:ext uri="{386F3935-93C4-4BCD-93E2-E3B085C9AB24}">
+                  <p16:designElem xmlns:p16="http://schemas.microsoft.com/office/powerpoint/2015/main" val="1"/>
+                </p:ext>
+              </p:extLst>
+            </p:nvPr>
+          </p:nvCxnSpPr>
+          <p:spPr>
+            <a:xfrm flipH="1">
+              <a:off x="10918826" y="3683001"/>
+              <a:ext cx="1270001" cy="1269999"/>
+            </a:xfrm>
+            <a:prstGeom prst="line">
+              <a:avLst/>
+            </a:prstGeom>
+            <a:ln w="28575">
+              <a:solidFill>
+                <a:schemeClr val="tx2">
+                  <a:lumMod val="75000"/>
+                  <a:alpha val="80000"/>
+                </a:schemeClr>
+              </a:solidFill>
+            </a:ln>
+          </p:spPr>
+          <p:style>
+            <a:lnRef idx="2">
+              <a:schemeClr val="accent1"/>
+            </a:lnRef>
+            <a:fillRef idx="0">
+              <a:schemeClr val="accent1"/>
+            </a:fillRef>
+            <a:effectRef idx="1">
+              <a:schemeClr val="accent1"/>
+            </a:effectRef>
+            <a:fontRef idx="minor">
+              <a:schemeClr val="tx1"/>
+            </a:fontRef>
+          </p:style>
+        </p:cxnSp>
+      </p:grpSp>
+      <p:sp>
+        <p:nvSpPr>
+          <p:cNvPr id="3" name="Content Placeholder 2">
+            <a:extLst>
+              <a:ext uri="{FF2B5EF4-FFF2-40B4-BE49-F238E27FC236}">
+                <a16:creationId xmlns:a16="http://schemas.microsoft.com/office/drawing/2014/main" id="{323E33C5-48A7-4A63-9586-37B44E8F464A}"/>
+              </a:ext>
+            </a:extLst>
+          </p:cNvPr>
+          <p:cNvSpPr>
+            <a:spLocks noGrp="1"/>
+          </p:cNvSpPr>
+          <p:nvPr>
+            <p:ph idx="1"/>
+          </p:nvPr>
+        </p:nvSpPr>
+        <p:spPr>
+          <a:xfrm>
+            <a:off x="684212" y="2068511"/>
+            <a:ext cx="8534400" cy="3615267"/>
+          </a:xfrm>
+        </p:spPr>
+        <p:txBody>
+          <a:bodyPr numCol="2">
+            <a:normAutofit/>
+          </a:bodyPr>
+          <a:lstStyle/>
+          <a:p>
+            <a:pPr marL="0" indent="0">
+              <a:buNone/>
+            </a:pPr>
+            <a:r>
+              <a:rPr lang="en-US" dirty="0">
+                <a:solidFill>
+                  <a:schemeClr val="tx1"/>
+                </a:solidFill>
+              </a:rPr>
+              <a:t>Founder </a:t>
+            </a:r>
+            <a:r>
+              <a:rPr lang="en-US" dirty="0" err="1">
+                <a:solidFill>
+                  <a:schemeClr val="tx1"/>
+                </a:solidFill>
+              </a:rPr>
+              <a:t>sia</a:t>
+            </a:r>
+            <a:r>
+              <a:rPr lang="en-US" dirty="0">
+                <a:solidFill>
+                  <a:schemeClr val="tx1"/>
+                </a:solidFill>
+              </a:rPr>
+              <a:t> consulting</a:t>
+            </a:r>
+          </a:p>
+          <a:p>
+            <a:r>
+              <a:rPr lang="en-US" dirty="0">
+                <a:solidFill>
+                  <a:schemeClr val="tx1"/>
+                </a:solidFill>
+              </a:rPr>
+              <a:t> Cloud Consulting</a:t>
+            </a:r>
+          </a:p>
+          <a:p>
+            <a:r>
+              <a:rPr lang="en-US" dirty="0">
+                <a:solidFill>
+                  <a:schemeClr val="tx1"/>
+                </a:solidFill>
+              </a:rPr>
+              <a:t> Cloud Development</a:t>
+            </a:r>
+          </a:p>
+          <a:p>
+            <a:r>
+              <a:rPr lang="en-US" dirty="0">
+                <a:solidFill>
+                  <a:schemeClr val="tx1"/>
+                </a:solidFill>
+              </a:rPr>
+              <a:t> Cloud Security</a:t>
+            </a:r>
+          </a:p>
+          <a:p>
+            <a:r>
+              <a:rPr lang="en-US" dirty="0">
+                <a:solidFill>
+                  <a:schemeClr val="tx1"/>
+                </a:solidFill>
+              </a:rPr>
+              <a:t> Blockchain Consulting</a:t>
+            </a:r>
+          </a:p>
+          <a:p>
+            <a:r>
+              <a:rPr lang="en-US" dirty="0">
+                <a:solidFill>
+                  <a:schemeClr val="tx1"/>
+                </a:solidFill>
+              </a:rPr>
+              <a:t> Domain modeling</a:t>
+            </a:r>
+          </a:p>
+          <a:p>
+            <a:r>
+              <a:rPr lang="en-US" dirty="0">
+                <a:solidFill>
+                  <a:schemeClr val="tx1"/>
+                </a:solidFill>
+              </a:rPr>
+              <a:t> Trainings</a:t>
+            </a:r>
+          </a:p>
+          <a:p>
+            <a:endParaRPr lang="en-US" dirty="0">
+              <a:solidFill>
+                <a:schemeClr val="tx1"/>
+              </a:solidFill>
+            </a:endParaRPr>
+          </a:p>
+          <a:p>
+            <a:endParaRPr lang="en-US" dirty="0">
+              <a:solidFill>
+                <a:schemeClr val="tx1"/>
+              </a:solidFill>
+            </a:endParaRPr>
+          </a:p>
+          <a:p>
+            <a:r>
+              <a:rPr lang="en-US" dirty="0">
+                <a:solidFill>
+                  <a:schemeClr val="tx1"/>
+                </a:solidFill>
+              </a:rPr>
+              <a:t>Event sourcing enthusiast</a:t>
+            </a:r>
+          </a:p>
+          <a:p>
+            <a:r>
+              <a:rPr lang="en-US" dirty="0">
+                <a:solidFill>
+                  <a:schemeClr val="tx1"/>
+                </a:solidFill>
+              </a:rPr>
+              <a:t>Microsoft MVP</a:t>
+            </a:r>
+          </a:p>
+          <a:p>
+            <a:r>
+              <a:rPr lang="en-US" dirty="0">
+                <a:solidFill>
+                  <a:schemeClr val="tx1"/>
+                </a:solidFill>
+              </a:rPr>
+              <a:t>Love DDD</a:t>
+            </a:r>
+          </a:p>
+          <a:p>
+            <a:r>
+              <a:rPr lang="en-US" dirty="0">
+                <a:solidFill>
+                  <a:schemeClr val="tx1"/>
+                </a:solidFill>
+              </a:rPr>
+              <a:t>Speaker at conferences and meetups</a:t>
+            </a:r>
+          </a:p>
+          <a:p>
+            <a:endParaRPr lang="en-US" dirty="0">
+              <a:solidFill>
+                <a:schemeClr val="tx1"/>
+              </a:solidFill>
+            </a:endParaRPr>
+          </a:p>
+        </p:txBody>
+      </p:sp>
+    </p:spTree>
+    <p:extLst>
+      <p:ext uri="{BB962C8B-B14F-4D97-AF65-F5344CB8AC3E}">
+        <p14:creationId xmlns:p14="http://schemas.microsoft.com/office/powerpoint/2010/main" val="2680705054"/>
+      </p:ext>
+    </p:extLst>
+  </p:cSld>
+  <p:clrMapOvr>
+    <a:overrideClrMapping bg1="dk1" tx1="lt1" bg2="dk2" tx2="lt2" accent1="accent1" accent2="accent2" accent3="accent3" accent4="accent4" accent5="accent5" accent6="accent6" hlink="hlink" folHlink="folHlink"/>
+  </p:clrMapOvr>
+</p:sld>
+</file>
+
+<file path=ppt/slides/slide20.xml><?xml version="1.0" encoding="utf-8"?>
 <p:sld xmlns:a="http://schemas.openxmlformats.org/drawingml/2006/main" xmlns:r="http://schemas.openxmlformats.org/officeDocument/2006/relationships" xmlns:p="http://schemas.openxmlformats.org/presentationml/2006/main">
   <p:cSld>
     <p:bg>
@@ -17908,7 +19453,7 @@
 </p:sld>
 </file>
 
-<file path=ppt/slides/slide19.xml><?xml version="1.0" encoding="utf-8"?>
+<file path=ppt/slides/slide21.xml><?xml version="1.0" encoding="utf-8"?>
 <p:sld xmlns:a="http://schemas.openxmlformats.org/drawingml/2006/main" xmlns:r="http://schemas.openxmlformats.org/officeDocument/2006/relationships" xmlns:p="http://schemas.openxmlformats.org/presentationml/2006/main">
   <p:cSld>
     <p:bg>
@@ -18492,646 +20037,7 @@
 </p:sld>
 </file>
 
-<file path=ppt/slides/slide2.xml><?xml version="1.0" encoding="utf-8"?>
-<p:sld xmlns:a="http://schemas.openxmlformats.org/drawingml/2006/main" xmlns:r="http://schemas.openxmlformats.org/officeDocument/2006/relationships" xmlns:p="http://schemas.openxmlformats.org/presentationml/2006/main">
-  <p:cSld>
-    <p:bg>
-      <p:bgPr>
-        <a:gradFill rotWithShape="1">
-          <a:gsLst>
-            <a:gs pos="10000">
-              <a:schemeClr val="bg1">
-                <a:tint val="97000"/>
-                <a:hueMod val="92000"/>
-                <a:satMod val="169000"/>
-                <a:lumMod val="164000"/>
-              </a:schemeClr>
-            </a:gs>
-            <a:gs pos="100000">
-              <a:schemeClr val="bg1">
-                <a:shade val="96000"/>
-                <a:satMod val="120000"/>
-                <a:lumMod val="90000"/>
-              </a:schemeClr>
-            </a:gs>
-          </a:gsLst>
-          <a:lin ang="6120000" scaled="1"/>
-        </a:gradFill>
-        <a:effectLst/>
-      </p:bgPr>
-    </p:bg>
-    <p:spTree>
-      <p:nvGrpSpPr>
-        <p:cNvPr id="1" name=""/>
-        <p:cNvGrpSpPr/>
-        <p:nvPr/>
-      </p:nvGrpSpPr>
-      <p:grpSpPr>
-        <a:xfrm>
-          <a:off x="0" y="0"/>
-          <a:ext cx="0" cy="0"/>
-          <a:chOff x="0" y="0"/>
-          <a:chExt cx="0" cy="0"/>
-        </a:xfrm>
-      </p:grpSpPr>
-      <p:sp useBgFill="1">
-        <p:nvSpPr>
-          <p:cNvPr id="8" name="Rectangle 7">
-            <a:extLst>
-              <a:ext uri="{FF2B5EF4-FFF2-40B4-BE49-F238E27FC236}">
-                <a16:creationId xmlns:a16="http://schemas.microsoft.com/office/drawing/2014/main" id="{CADF2543-1B6F-4FBC-A7AF-53A0430E05AB}"/>
-              </a:ext>
-              <a:ext uri="{C183D7F6-B498-43B3-948B-1728B52AA6E4}">
-                <adec:decorative xmlns:adec="http://schemas.microsoft.com/office/drawing/2017/decorative" val="1"/>
-              </a:ext>
-            </a:extLst>
-          </p:cNvPr>
-          <p:cNvSpPr>
-            <a:spLocks noGrp="1" noRot="1" noChangeAspect="1" noMove="1" noResize="1" noEditPoints="1" noAdjustHandles="1" noChangeArrowheads="1" noChangeShapeType="1" noTextEdit="1"/>
-          </p:cNvSpPr>
-          <p:nvPr>
-            <p:extLst>
-              <p:ext uri="{386F3935-93C4-4BCD-93E2-E3B085C9AB24}">
-                <p16:designElem xmlns:p16="http://schemas.microsoft.com/office/powerpoint/2015/main" val="1"/>
-              </p:ext>
-            </p:extLst>
-          </p:nvPr>
-        </p:nvSpPr>
-        <p:spPr>
-          <a:xfrm>
-            <a:off x="0" y="0"/>
-            <a:ext cx="12192000" cy="6858000"/>
-          </a:xfrm>
-          <a:prstGeom prst="rect">
-            <a:avLst/>
-          </a:prstGeom>
-          <a:ln>
-            <a:noFill/>
-          </a:ln>
-        </p:spPr>
-        <p:style>
-          <a:lnRef idx="2">
-            <a:schemeClr val="accent1">
-              <a:shade val="50000"/>
-            </a:schemeClr>
-          </a:lnRef>
-          <a:fillRef idx="1">
-            <a:schemeClr val="accent1"/>
-          </a:fillRef>
-          <a:effectRef idx="0">
-            <a:schemeClr val="accent1"/>
-          </a:effectRef>
-          <a:fontRef idx="minor">
-            <a:schemeClr val="lt1"/>
-          </a:fontRef>
-        </p:style>
-        <p:txBody>
-          <a:bodyPr rtlCol="0" anchor="ctr"/>
-          <a:lstStyle/>
-          <a:p>
-            <a:pPr algn="ctr"/>
-            <a:endParaRPr lang="en-US"/>
-          </a:p>
-        </p:txBody>
-      </p:sp>
-      <p:sp>
-        <p:nvSpPr>
-          <p:cNvPr id="2" name="Title 1">
-            <a:extLst>
-              <a:ext uri="{FF2B5EF4-FFF2-40B4-BE49-F238E27FC236}">
-                <a16:creationId xmlns:a16="http://schemas.microsoft.com/office/drawing/2014/main" id="{DD5B673E-4978-4924-9455-F15B9061E49D}"/>
-              </a:ext>
-            </a:extLst>
-          </p:cNvPr>
-          <p:cNvSpPr>
-            <a:spLocks noGrp="1"/>
-          </p:cNvSpPr>
-          <p:nvPr>
-            <p:ph type="title"/>
-          </p:nvPr>
-        </p:nvSpPr>
-        <p:spPr>
-          <a:xfrm>
-            <a:off x="684212" y="485244"/>
-            <a:ext cx="8534400" cy="1507067"/>
-          </a:xfrm>
-        </p:spPr>
-        <p:txBody>
-          <a:bodyPr>
-            <a:normAutofit/>
-          </a:bodyPr>
-          <a:lstStyle/>
-          <a:p>
-            <a:r>
-              <a:rPr lang="en-US"/>
-              <a:t>Sia Ghassemi</a:t>
-            </a:r>
-          </a:p>
-        </p:txBody>
-      </p:sp>
-      <p:grpSp>
-        <p:nvGrpSpPr>
-          <p:cNvPr id="10" name="Group 9">
-            <a:extLst>
-              <a:ext uri="{FF2B5EF4-FFF2-40B4-BE49-F238E27FC236}">
-                <a16:creationId xmlns:a16="http://schemas.microsoft.com/office/drawing/2014/main" id="{A80A6E81-6B71-43DF-877B-E964A9A4CB68}"/>
-              </a:ext>
-              <a:ext uri="{C183D7F6-B498-43B3-948B-1728B52AA6E4}">
-                <adec:decorative xmlns:adec="http://schemas.microsoft.com/office/drawing/2017/decorative" val="1"/>
-              </a:ext>
-            </a:extLst>
-          </p:cNvPr>
-          <p:cNvGrpSpPr>
-            <a:grpSpLocks noGrp="1" noUngrp="1" noRot="1" noChangeAspect="1" noMove="1" noResize="1"/>
-          </p:cNvGrpSpPr>
-          <p:nvPr>
-            <p:extLst>
-              <p:ext uri="{386F3935-93C4-4BCD-93E2-E3B085C9AB24}">
-                <p16:designElem xmlns:p16="http://schemas.microsoft.com/office/powerpoint/2015/main" val="1"/>
-              </p:ext>
-            </p:extLst>
-          </p:nvPr>
-        </p:nvGrpSpPr>
-        <p:grpSpPr>
-          <a:xfrm>
-            <a:off x="9206969" y="2963333"/>
-            <a:ext cx="2981858" cy="3208867"/>
-            <a:chOff x="9206969" y="2963333"/>
-            <a:chExt cx="2981858" cy="3208867"/>
-          </a:xfrm>
-        </p:grpSpPr>
-        <p:cxnSp>
-          <p:nvCxnSpPr>
-            <p:cNvPr id="11" name="Straight Connector 10">
-              <a:extLst>
-                <a:ext uri="{FF2B5EF4-FFF2-40B4-BE49-F238E27FC236}">
-                  <a16:creationId xmlns:a16="http://schemas.microsoft.com/office/drawing/2014/main" id="{4E35C3AD-357F-4004-A3F3-2D4EAF34A63D}"/>
-                </a:ext>
-                <a:ext uri="{C183D7F6-B498-43B3-948B-1728B52AA6E4}">
-                  <adec:decorative xmlns:adec="http://schemas.microsoft.com/office/drawing/2017/decorative" val="1"/>
-                </a:ext>
-              </a:extLst>
-            </p:cNvPr>
-            <p:cNvCxnSpPr/>
-            <p:nvPr>
-              <p:extLst>
-                <p:ext uri="{386F3935-93C4-4BCD-93E2-E3B085C9AB24}">
-                  <p16:designElem xmlns:p16="http://schemas.microsoft.com/office/powerpoint/2015/main" val="1"/>
-                </p:ext>
-              </p:extLst>
-            </p:nvPr>
-          </p:nvCxnSpPr>
-          <p:spPr>
-            <a:xfrm flipH="1">
-              <a:off x="11276012" y="2963333"/>
-              <a:ext cx="912814" cy="912812"/>
-            </a:xfrm>
-            <a:prstGeom prst="line">
-              <a:avLst/>
-            </a:prstGeom>
-            <a:ln w="9525">
-              <a:solidFill>
-                <a:schemeClr val="tx2">
-                  <a:lumMod val="75000"/>
-                  <a:alpha val="80000"/>
-                </a:schemeClr>
-              </a:solidFill>
-            </a:ln>
-          </p:spPr>
-          <p:style>
-            <a:lnRef idx="2">
-              <a:schemeClr val="accent1"/>
-            </a:lnRef>
-            <a:fillRef idx="0">
-              <a:schemeClr val="accent1"/>
-            </a:fillRef>
-            <a:effectRef idx="1">
-              <a:schemeClr val="accent1"/>
-            </a:effectRef>
-            <a:fontRef idx="minor">
-              <a:schemeClr val="tx1"/>
-            </a:fontRef>
-          </p:style>
-        </p:cxnSp>
-        <p:cxnSp>
-          <p:nvCxnSpPr>
-            <p:cNvPr id="12" name="Straight Connector 11">
-              <a:extLst>
-                <a:ext uri="{FF2B5EF4-FFF2-40B4-BE49-F238E27FC236}">
-                  <a16:creationId xmlns:a16="http://schemas.microsoft.com/office/drawing/2014/main" id="{337B6032-0A70-4F26-A9A3-B4D60DF11818}"/>
-                </a:ext>
-                <a:ext uri="{C183D7F6-B498-43B3-948B-1728B52AA6E4}">
-                  <adec:decorative xmlns:adec="http://schemas.microsoft.com/office/drawing/2017/decorative" val="1"/>
-                </a:ext>
-              </a:extLst>
-            </p:cNvPr>
-            <p:cNvCxnSpPr/>
-            <p:nvPr>
-              <p:extLst>
-                <p:ext uri="{386F3935-93C4-4BCD-93E2-E3B085C9AB24}">
-                  <p16:designElem xmlns:p16="http://schemas.microsoft.com/office/powerpoint/2015/main" val="1"/>
-                </p:ext>
-              </p:extLst>
-            </p:nvPr>
-          </p:nvCxnSpPr>
-          <p:spPr>
-            <a:xfrm flipH="1">
-              <a:off x="9206969" y="3190344"/>
-              <a:ext cx="2981857" cy="2981856"/>
-            </a:xfrm>
-            <a:prstGeom prst="line">
-              <a:avLst/>
-            </a:prstGeom>
-            <a:ln w="9525">
-              <a:solidFill>
-                <a:schemeClr val="tx2">
-                  <a:lumMod val="75000"/>
-                  <a:alpha val="80000"/>
-                </a:schemeClr>
-              </a:solidFill>
-            </a:ln>
-          </p:spPr>
-          <p:style>
-            <a:lnRef idx="2">
-              <a:schemeClr val="accent1"/>
-            </a:lnRef>
-            <a:fillRef idx="0">
-              <a:schemeClr val="accent1"/>
-            </a:fillRef>
-            <a:effectRef idx="1">
-              <a:schemeClr val="accent1"/>
-            </a:effectRef>
-            <a:fontRef idx="minor">
-              <a:schemeClr val="tx1"/>
-            </a:fontRef>
-          </p:style>
-        </p:cxnSp>
-        <p:cxnSp>
-          <p:nvCxnSpPr>
-            <p:cNvPr id="13" name="Straight Connector 12">
-              <a:extLst>
-                <a:ext uri="{FF2B5EF4-FFF2-40B4-BE49-F238E27FC236}">
-                  <a16:creationId xmlns:a16="http://schemas.microsoft.com/office/drawing/2014/main" id="{DE192CE3-3DD1-448F-93BE-42983DA0D5A9}"/>
-                </a:ext>
-                <a:ext uri="{C183D7F6-B498-43B3-948B-1728B52AA6E4}">
-                  <adec:decorative xmlns:adec="http://schemas.microsoft.com/office/drawing/2017/decorative" val="1"/>
-                </a:ext>
-              </a:extLst>
-            </p:cNvPr>
-            <p:cNvCxnSpPr/>
-            <p:nvPr>
-              <p:extLst>
-                <p:ext uri="{386F3935-93C4-4BCD-93E2-E3B085C9AB24}">
-                  <p16:designElem xmlns:p16="http://schemas.microsoft.com/office/powerpoint/2015/main" val="1"/>
-                </p:ext>
-              </p:extLst>
-            </p:nvPr>
-          </p:nvCxnSpPr>
-          <p:spPr>
-            <a:xfrm flipH="1">
-              <a:off x="10292292" y="3285067"/>
-              <a:ext cx="1896534" cy="1896533"/>
-            </a:xfrm>
-            <a:prstGeom prst="line">
-              <a:avLst/>
-            </a:prstGeom>
-            <a:ln w="9525">
-              <a:solidFill>
-                <a:schemeClr val="tx2">
-                  <a:lumMod val="75000"/>
-                  <a:alpha val="80000"/>
-                </a:schemeClr>
-              </a:solidFill>
-            </a:ln>
-          </p:spPr>
-          <p:style>
-            <a:lnRef idx="2">
-              <a:schemeClr val="accent1"/>
-            </a:lnRef>
-            <a:fillRef idx="0">
-              <a:schemeClr val="accent1"/>
-            </a:fillRef>
-            <a:effectRef idx="1">
-              <a:schemeClr val="accent1"/>
-            </a:effectRef>
-            <a:fontRef idx="minor">
-              <a:schemeClr val="tx1"/>
-            </a:fontRef>
-          </p:style>
-        </p:cxnSp>
-        <p:cxnSp>
-          <p:nvCxnSpPr>
-            <p:cNvPr id="14" name="Straight Connector 13">
-              <a:extLst>
-                <a:ext uri="{FF2B5EF4-FFF2-40B4-BE49-F238E27FC236}">
-                  <a16:creationId xmlns:a16="http://schemas.microsoft.com/office/drawing/2014/main" id="{E6D3DA09-5C72-4562-BEDE-1937DF87E81D}"/>
-                </a:ext>
-                <a:ext uri="{C183D7F6-B498-43B3-948B-1728B52AA6E4}">
-                  <adec:decorative xmlns:adec="http://schemas.microsoft.com/office/drawing/2017/decorative" val="1"/>
-                </a:ext>
-              </a:extLst>
-            </p:cNvPr>
-            <p:cNvCxnSpPr/>
-            <p:nvPr>
-              <p:extLst>
-                <p:ext uri="{386F3935-93C4-4BCD-93E2-E3B085C9AB24}">
-                  <p16:designElem xmlns:p16="http://schemas.microsoft.com/office/powerpoint/2015/main" val="1"/>
-                </p:ext>
-              </p:extLst>
-            </p:nvPr>
-          </p:nvCxnSpPr>
-          <p:spPr>
-            <a:xfrm flipH="1">
-              <a:off x="10443103" y="3131080"/>
-              <a:ext cx="1745722" cy="1745720"/>
-            </a:xfrm>
-            <a:prstGeom prst="line">
-              <a:avLst/>
-            </a:prstGeom>
-            <a:ln w="28575">
-              <a:solidFill>
-                <a:schemeClr val="tx2">
-                  <a:lumMod val="75000"/>
-                  <a:alpha val="80000"/>
-                </a:schemeClr>
-              </a:solidFill>
-            </a:ln>
-          </p:spPr>
-          <p:style>
-            <a:lnRef idx="2">
-              <a:schemeClr val="accent1"/>
-            </a:lnRef>
-            <a:fillRef idx="0">
-              <a:schemeClr val="accent1"/>
-            </a:fillRef>
-            <a:effectRef idx="1">
-              <a:schemeClr val="accent1"/>
-            </a:effectRef>
-            <a:fontRef idx="minor">
-              <a:schemeClr val="tx1"/>
-            </a:fontRef>
-          </p:style>
-        </p:cxnSp>
-        <p:cxnSp>
-          <p:nvCxnSpPr>
-            <p:cNvPr id="15" name="Straight Connector 14">
-              <a:extLst>
-                <a:ext uri="{FF2B5EF4-FFF2-40B4-BE49-F238E27FC236}">
-                  <a16:creationId xmlns:a16="http://schemas.microsoft.com/office/drawing/2014/main" id="{D6ACA7CA-2A20-49D7-9053-E076463D79A3}"/>
-                </a:ext>
-                <a:ext uri="{C183D7F6-B498-43B3-948B-1728B52AA6E4}">
-                  <adec:decorative xmlns:adec="http://schemas.microsoft.com/office/drawing/2017/decorative" val="1"/>
-                </a:ext>
-              </a:extLst>
-            </p:cNvPr>
-            <p:cNvCxnSpPr/>
-            <p:nvPr>
-              <p:extLst>
-                <p:ext uri="{386F3935-93C4-4BCD-93E2-E3B085C9AB24}">
-                  <p16:designElem xmlns:p16="http://schemas.microsoft.com/office/powerpoint/2015/main" val="1"/>
-                </p:ext>
-              </p:extLst>
-            </p:nvPr>
-          </p:nvCxnSpPr>
-          <p:spPr>
-            <a:xfrm flipH="1">
-              <a:off x="10918826" y="3683001"/>
-              <a:ext cx="1270001" cy="1269999"/>
-            </a:xfrm>
-            <a:prstGeom prst="line">
-              <a:avLst/>
-            </a:prstGeom>
-            <a:ln w="28575">
-              <a:solidFill>
-                <a:schemeClr val="tx2">
-                  <a:lumMod val="75000"/>
-                  <a:alpha val="80000"/>
-                </a:schemeClr>
-              </a:solidFill>
-            </a:ln>
-          </p:spPr>
-          <p:style>
-            <a:lnRef idx="2">
-              <a:schemeClr val="accent1"/>
-            </a:lnRef>
-            <a:fillRef idx="0">
-              <a:schemeClr val="accent1"/>
-            </a:fillRef>
-            <a:effectRef idx="1">
-              <a:schemeClr val="accent1"/>
-            </a:effectRef>
-            <a:fontRef idx="minor">
-              <a:schemeClr val="tx1"/>
-            </a:fontRef>
-          </p:style>
-        </p:cxnSp>
-      </p:grpSp>
-      <p:sp>
-        <p:nvSpPr>
-          <p:cNvPr id="3" name="Content Placeholder 2">
-            <a:extLst>
-              <a:ext uri="{FF2B5EF4-FFF2-40B4-BE49-F238E27FC236}">
-                <a16:creationId xmlns:a16="http://schemas.microsoft.com/office/drawing/2014/main" id="{323E33C5-48A7-4A63-9586-37B44E8F464A}"/>
-              </a:ext>
-            </a:extLst>
-          </p:cNvPr>
-          <p:cNvSpPr>
-            <a:spLocks noGrp="1"/>
-          </p:cNvSpPr>
-          <p:nvPr>
-            <p:ph idx="1"/>
-          </p:nvPr>
-        </p:nvSpPr>
-        <p:spPr>
-          <a:xfrm>
-            <a:off x="684212" y="2068511"/>
-            <a:ext cx="8534400" cy="3615267"/>
-          </a:xfrm>
-        </p:spPr>
-        <p:txBody>
-          <a:bodyPr numCol="2">
-            <a:normAutofit/>
-          </a:bodyPr>
-          <a:lstStyle/>
-          <a:p>
-            <a:pPr marL="0" indent="0">
-              <a:buNone/>
-            </a:pPr>
-            <a:r>
-              <a:rPr lang="en-US" dirty="0">
-                <a:solidFill>
-                  <a:schemeClr val="tx1"/>
-                </a:solidFill>
-              </a:rPr>
-              <a:t>Founder </a:t>
-            </a:r>
-            <a:r>
-              <a:rPr lang="en-US" dirty="0" err="1">
-                <a:solidFill>
-                  <a:schemeClr val="tx1"/>
-                </a:solidFill>
-              </a:rPr>
-              <a:t>sia</a:t>
-            </a:r>
-            <a:r>
-              <a:rPr lang="en-US" dirty="0">
-                <a:solidFill>
-                  <a:schemeClr val="tx1"/>
-                </a:solidFill>
-              </a:rPr>
-              <a:t> consulting</a:t>
-            </a:r>
-          </a:p>
-          <a:p>
-            <a:r>
-              <a:rPr lang="en-US" dirty="0">
-                <a:solidFill>
-                  <a:schemeClr val="tx1"/>
-                </a:solidFill>
-              </a:rPr>
-              <a:t> Cloud Consulting</a:t>
-            </a:r>
-          </a:p>
-          <a:p>
-            <a:r>
-              <a:rPr lang="en-US" dirty="0">
-                <a:solidFill>
-                  <a:schemeClr val="tx1"/>
-                </a:solidFill>
-              </a:rPr>
-              <a:t> Cloud Development</a:t>
-            </a:r>
-          </a:p>
-          <a:p>
-            <a:r>
-              <a:rPr lang="en-US" dirty="0">
-                <a:solidFill>
-                  <a:schemeClr val="tx1"/>
-                </a:solidFill>
-              </a:rPr>
-              <a:t> Cloud Security</a:t>
-            </a:r>
-          </a:p>
-          <a:p>
-            <a:r>
-              <a:rPr lang="en-US" dirty="0">
-                <a:solidFill>
-                  <a:schemeClr val="tx1"/>
-                </a:solidFill>
-              </a:rPr>
-              <a:t> Blockchain Consulting</a:t>
-            </a:r>
-          </a:p>
-          <a:p>
-            <a:r>
-              <a:rPr lang="en-US" dirty="0">
-                <a:solidFill>
-                  <a:schemeClr val="tx1"/>
-                </a:solidFill>
-              </a:rPr>
-              <a:t> Domain modeling</a:t>
-            </a:r>
-          </a:p>
-          <a:p>
-            <a:r>
-              <a:rPr lang="en-US" dirty="0">
-                <a:solidFill>
-                  <a:schemeClr val="tx1"/>
-                </a:solidFill>
-              </a:rPr>
-              <a:t> Trainings</a:t>
-            </a:r>
-          </a:p>
-          <a:p>
-            <a:endParaRPr lang="en-US" dirty="0">
-              <a:solidFill>
-                <a:schemeClr val="tx1"/>
-              </a:solidFill>
-            </a:endParaRPr>
-          </a:p>
-          <a:p>
-            <a:endParaRPr lang="en-US" dirty="0">
-              <a:solidFill>
-                <a:schemeClr val="tx1"/>
-              </a:solidFill>
-            </a:endParaRPr>
-          </a:p>
-          <a:p>
-            <a:r>
-              <a:rPr lang="en-US" dirty="0">
-                <a:solidFill>
-                  <a:schemeClr val="tx1"/>
-                </a:solidFill>
-              </a:rPr>
-              <a:t>Event sourcing enthusiast</a:t>
-            </a:r>
-          </a:p>
-          <a:p>
-            <a:r>
-              <a:rPr lang="en-US" dirty="0">
-                <a:solidFill>
-                  <a:schemeClr val="tx1"/>
-                </a:solidFill>
-              </a:rPr>
-              <a:t>Microsoft MVP</a:t>
-            </a:r>
-          </a:p>
-          <a:p>
-            <a:r>
-              <a:rPr lang="en-US" dirty="0">
-                <a:solidFill>
-                  <a:schemeClr val="tx1"/>
-                </a:solidFill>
-              </a:rPr>
-              <a:t>Love DDD</a:t>
-            </a:r>
-          </a:p>
-          <a:p>
-            <a:r>
-              <a:rPr lang="en-US" dirty="0">
-                <a:solidFill>
-                  <a:schemeClr val="tx1"/>
-                </a:solidFill>
-              </a:rPr>
-              <a:t>Speaker </a:t>
-            </a:r>
-            <a:r>
-              <a:rPr lang="en-US">
-                <a:solidFill>
-                  <a:schemeClr val="tx1"/>
-                </a:solidFill>
-              </a:rPr>
-              <a:t>at conferences and meetups</a:t>
-            </a:r>
-            <a:endParaRPr lang="en-US" dirty="0">
-              <a:solidFill>
-                <a:schemeClr val="tx1"/>
-              </a:solidFill>
-            </a:endParaRPr>
-          </a:p>
-          <a:p>
-            <a:endParaRPr lang="en-US" dirty="0">
-              <a:solidFill>
-                <a:schemeClr val="tx1"/>
-              </a:solidFill>
-            </a:endParaRPr>
-          </a:p>
-        </p:txBody>
-      </p:sp>
-    </p:spTree>
-    <p:extLst>
-      <p:ext uri="{BB962C8B-B14F-4D97-AF65-F5344CB8AC3E}">
-        <p14:creationId xmlns:p14="http://schemas.microsoft.com/office/powerpoint/2010/main" val="2680705054"/>
-      </p:ext>
-    </p:extLst>
-  </p:cSld>
-  <p:clrMapOvr>
-    <a:overrideClrMapping bg1="dk1" tx1="lt1" bg2="dk2" tx2="lt2" accent1="accent1" accent2="accent2" accent3="accent3" accent4="accent4" accent5="accent5" accent6="accent6" hlink="hlink" folHlink="folHlink"/>
-  </p:clrMapOvr>
-</p:sld>
-</file>
-
-<file path=ppt/slides/slide20.xml><?xml version="1.0" encoding="utf-8"?>
+<file path=ppt/slides/slide22.xml><?xml version="1.0" encoding="utf-8"?>
 <p:sld xmlns:a="http://schemas.openxmlformats.org/drawingml/2006/main" xmlns:r="http://schemas.openxmlformats.org/officeDocument/2006/relationships" xmlns:p="http://schemas.openxmlformats.org/presentationml/2006/main">
   <p:cSld>
     <p:bg>
@@ -21434,7 +22340,7 @@
         </p:spPr>
         <p:txBody>
           <a:bodyPr>
-            <a:normAutofit/>
+            <a:normAutofit fontScale="92500" lnSpcReduction="20000"/>
           </a:bodyPr>
           <a:lstStyle/>
           <a:p>
@@ -21506,6 +22412,33 @@
               </a:rPr>
               <a:t>Complete task base build-system (CI/CD)</a:t>
             </a:r>
+          </a:p>
+          <a:p>
+            <a:pPr lvl="1"/>
+            <a:r>
+              <a:rPr lang="en-US" dirty="0">
+                <a:solidFill>
+                  <a:schemeClr val="tx1"/>
+                </a:solidFill>
+              </a:rPr>
+              <a:t>Schedulable</a:t>
+            </a:r>
+          </a:p>
+          <a:p>
+            <a:pPr lvl="1"/>
+            <a:r>
+              <a:rPr lang="en-US">
+                <a:solidFill>
+                  <a:schemeClr val="tx1"/>
+                </a:solidFill>
+              </a:rPr>
+              <a:t>On-Demand</a:t>
+            </a:r>
+            <a:endParaRPr lang="en-US" dirty="0">
+              <a:solidFill>
+                <a:schemeClr val="tx1"/>
+              </a:solidFill>
+            </a:endParaRPr>
           </a:p>
           <a:p>
             <a:r>
@@ -22674,7 +23607,29 @@
                   <a:schemeClr val="tx1"/>
                 </a:solidFill>
               </a:rPr>
-              <a:t>Basic Http-Routing or Azure Application Gateway</a:t>
+              <a:t>Basic Http-Routing</a:t>
+            </a:r>
+          </a:p>
+          <a:p>
+            <a:pPr lvl="1"/>
+            <a:r>
+              <a:rPr lang="en-US" sz="1400" dirty="0">
+                <a:solidFill>
+                  <a:schemeClr val="tx1"/>
+                </a:solidFill>
+              </a:rPr>
+              <a:t>Azure Application Gateway</a:t>
+            </a:r>
+          </a:p>
+          <a:p>
+            <a:pPr lvl="1"/>
+            <a:r>
+              <a:rPr lang="en-US" sz="1400" dirty="0">
+                <a:solidFill>
+                  <a:schemeClr val="tx1"/>
+                </a:solidFill>
+              </a:rPr>
+              <a:t>External DNS</a:t>
             </a:r>
           </a:p>
           <a:p>
@@ -22718,9 +23673,26 @@
   <p:cSld>
     <p:bg>
       <p:bgPr>
-        <a:solidFill>
-          <a:schemeClr val="bg1"/>
-        </a:solidFill>
+        <a:gradFill rotWithShape="1">
+          <a:gsLst>
+            <a:gs pos="10000">
+              <a:schemeClr val="bg1">
+                <a:tint val="97000"/>
+                <a:hueMod val="92000"/>
+                <a:satMod val="169000"/>
+                <a:lumMod val="164000"/>
+              </a:schemeClr>
+            </a:gs>
+            <a:gs pos="100000">
+              <a:schemeClr val="bg1">
+                <a:shade val="96000"/>
+                <a:satMod val="120000"/>
+                <a:lumMod val="90000"/>
+              </a:schemeClr>
+            </a:gs>
+          </a:gsLst>
+          <a:lin ang="6120000" scaled="1"/>
+        </a:gradFill>
         <a:effectLst/>
       </p:bgPr>
     </p:bg>
@@ -22738,12 +23710,272 @@
           <a:chExt cx="0" cy="0"/>
         </a:xfrm>
       </p:grpSpPr>
+      <p:cxnSp>
+        <p:nvCxnSpPr>
+          <p:cNvPr id="8" name="Straight Connector 7">
+            <a:extLst>
+              <a:ext uri="{FF2B5EF4-FFF2-40B4-BE49-F238E27FC236}">
+                <a16:creationId xmlns:a16="http://schemas.microsoft.com/office/drawing/2014/main" id="{FEB90296-CFE0-401D-9CA3-32966EC4F01D}"/>
+              </a:ext>
+              <a:ext uri="{C183D7F6-B498-43B3-948B-1728B52AA6E4}">
+                <adec:decorative xmlns:adec="http://schemas.microsoft.com/office/drawing/2017/decorative" val="1"/>
+              </a:ext>
+            </a:extLst>
+          </p:cNvPr>
+          <p:cNvCxnSpPr>
+            <a:cxnSpLocks noGrp="1" noRot="1" noChangeAspect="1" noMove="1" noResize="1" noEditPoints="1" noAdjustHandles="1" noChangeArrowheads="1" noChangeShapeType="1"/>
+          </p:cNvCxnSpPr>
+          <p:nvPr>
+            <p:extLst>
+              <p:ext uri="{386F3935-93C4-4BCD-93E2-E3B085C9AB24}">
+                <p16:designElem xmlns:p16="http://schemas.microsoft.com/office/powerpoint/2015/main" val="1"/>
+              </p:ext>
+            </p:extLst>
+          </p:nvPr>
+        </p:nvCxnSpPr>
+        <p:spPr>
+          <a:xfrm flipH="1">
+            <a:off x="8228012" y="8467"/>
+            <a:ext cx="3810000" cy="3810000"/>
+          </a:xfrm>
+          <a:prstGeom prst="line">
+            <a:avLst/>
+          </a:prstGeom>
+          <a:ln w="12700">
+            <a:solidFill>
+              <a:schemeClr val="tx1"/>
+            </a:solidFill>
+          </a:ln>
+        </p:spPr>
+        <p:style>
+          <a:lnRef idx="2">
+            <a:schemeClr val="accent1"/>
+          </a:lnRef>
+          <a:fillRef idx="0">
+            <a:schemeClr val="accent1"/>
+          </a:fillRef>
+          <a:effectRef idx="1">
+            <a:schemeClr val="accent1"/>
+          </a:effectRef>
+          <a:fontRef idx="minor">
+            <a:schemeClr val="tx1"/>
+          </a:fontRef>
+        </p:style>
+      </p:cxnSp>
+      <p:cxnSp>
+        <p:nvCxnSpPr>
+          <p:cNvPr id="10" name="Straight Connector 9">
+            <a:extLst>
+              <a:ext uri="{FF2B5EF4-FFF2-40B4-BE49-F238E27FC236}">
+                <a16:creationId xmlns:a16="http://schemas.microsoft.com/office/drawing/2014/main" id="{08C9B4EE-7611-4ED9-B356-7BDD377C39B0}"/>
+              </a:ext>
+              <a:ext uri="{C183D7F6-B498-43B3-948B-1728B52AA6E4}">
+                <adec:decorative xmlns:adec="http://schemas.microsoft.com/office/drawing/2017/decorative" val="1"/>
+              </a:ext>
+            </a:extLst>
+          </p:cNvPr>
+          <p:cNvCxnSpPr>
+            <a:cxnSpLocks noGrp="1" noRot="1" noChangeAspect="1" noMove="1" noResize="1" noEditPoints="1" noAdjustHandles="1" noChangeArrowheads="1" noChangeShapeType="1"/>
+          </p:cNvCxnSpPr>
+          <p:nvPr>
+            <p:extLst>
+              <p:ext uri="{386F3935-93C4-4BCD-93E2-E3B085C9AB24}">
+                <p16:designElem xmlns:p16="http://schemas.microsoft.com/office/powerpoint/2015/main" val="1"/>
+              </p:ext>
+            </p:extLst>
+          </p:nvPr>
+        </p:nvCxnSpPr>
+        <p:spPr>
+          <a:xfrm flipH="1">
+            <a:off x="6108170" y="91545"/>
+            <a:ext cx="6080655" cy="6080655"/>
+          </a:xfrm>
+          <a:prstGeom prst="line">
+            <a:avLst/>
+          </a:prstGeom>
+          <a:ln w="12700">
+            <a:solidFill>
+              <a:schemeClr val="tx1"/>
+            </a:solidFill>
+          </a:ln>
+        </p:spPr>
+        <p:style>
+          <a:lnRef idx="2">
+            <a:schemeClr val="accent1"/>
+          </a:lnRef>
+          <a:fillRef idx="0">
+            <a:schemeClr val="accent1"/>
+          </a:fillRef>
+          <a:effectRef idx="1">
+            <a:schemeClr val="accent1"/>
+          </a:effectRef>
+          <a:fontRef idx="minor">
+            <a:schemeClr val="tx1"/>
+          </a:fontRef>
+        </p:style>
+      </p:cxnSp>
+      <p:cxnSp>
+        <p:nvCxnSpPr>
+          <p:cNvPr id="12" name="Straight Connector 11">
+            <a:extLst>
+              <a:ext uri="{FF2B5EF4-FFF2-40B4-BE49-F238E27FC236}">
+                <a16:creationId xmlns:a16="http://schemas.microsoft.com/office/drawing/2014/main" id="{4A4F266A-F2F7-47CD-8BBC-E3777E982FD2}"/>
+              </a:ext>
+              <a:ext uri="{C183D7F6-B498-43B3-948B-1728B52AA6E4}">
+                <adec:decorative xmlns:adec="http://schemas.microsoft.com/office/drawing/2017/decorative" val="1"/>
+              </a:ext>
+            </a:extLst>
+          </p:cNvPr>
+          <p:cNvCxnSpPr>
+            <a:cxnSpLocks noGrp="1" noRot="1" noChangeAspect="1" noMove="1" noResize="1" noEditPoints="1" noAdjustHandles="1" noChangeArrowheads="1" noChangeShapeType="1"/>
+          </p:cNvCxnSpPr>
+          <p:nvPr>
+            <p:extLst>
+              <p:ext uri="{386F3935-93C4-4BCD-93E2-E3B085C9AB24}">
+                <p16:designElem xmlns:p16="http://schemas.microsoft.com/office/powerpoint/2015/main" val="1"/>
+              </p:ext>
+            </p:extLst>
+          </p:nvPr>
+        </p:nvCxnSpPr>
+        <p:spPr>
+          <a:xfrm flipH="1">
+            <a:off x="7235825" y="228600"/>
+            <a:ext cx="4953000" cy="4953000"/>
+          </a:xfrm>
+          <a:prstGeom prst="line">
+            <a:avLst/>
+          </a:prstGeom>
+          <a:ln w="12700">
+            <a:solidFill>
+              <a:schemeClr val="tx1"/>
+            </a:solidFill>
+          </a:ln>
+        </p:spPr>
+        <p:style>
+          <a:lnRef idx="2">
+            <a:schemeClr val="accent1"/>
+          </a:lnRef>
+          <a:fillRef idx="0">
+            <a:schemeClr val="accent1"/>
+          </a:fillRef>
+          <a:effectRef idx="1">
+            <a:schemeClr val="accent1"/>
+          </a:effectRef>
+          <a:fontRef idx="minor">
+            <a:schemeClr val="tx1"/>
+          </a:fontRef>
+        </p:style>
+      </p:cxnSp>
+      <p:cxnSp>
+        <p:nvCxnSpPr>
+          <p:cNvPr id="14" name="Straight Connector 13">
+            <a:extLst>
+              <a:ext uri="{FF2B5EF4-FFF2-40B4-BE49-F238E27FC236}">
+                <a16:creationId xmlns:a16="http://schemas.microsoft.com/office/drawing/2014/main" id="{20D69C80-8919-4A32-B897-F2A21F940574}"/>
+              </a:ext>
+              <a:ext uri="{C183D7F6-B498-43B3-948B-1728B52AA6E4}">
+                <adec:decorative xmlns:adec="http://schemas.microsoft.com/office/drawing/2017/decorative" val="1"/>
+              </a:ext>
+            </a:extLst>
+          </p:cNvPr>
+          <p:cNvCxnSpPr>
+            <a:cxnSpLocks noGrp="1" noRot="1" noChangeAspect="1" noMove="1" noResize="1" noEditPoints="1" noAdjustHandles="1" noChangeArrowheads="1" noChangeShapeType="1"/>
+          </p:cNvCxnSpPr>
+          <p:nvPr>
+            <p:extLst>
+              <p:ext uri="{386F3935-93C4-4BCD-93E2-E3B085C9AB24}">
+                <p16:designElem xmlns:p16="http://schemas.microsoft.com/office/powerpoint/2015/main" val="1"/>
+              </p:ext>
+            </p:extLst>
+          </p:nvPr>
+        </p:nvCxnSpPr>
+        <p:spPr>
+          <a:xfrm flipH="1">
+            <a:off x="7335837" y="32278"/>
+            <a:ext cx="4852989" cy="4852989"/>
+          </a:xfrm>
+          <a:prstGeom prst="line">
+            <a:avLst/>
+          </a:prstGeom>
+          <a:ln w="31750">
+            <a:solidFill>
+              <a:schemeClr val="tx1"/>
+            </a:solidFill>
+          </a:ln>
+        </p:spPr>
+        <p:style>
+          <a:lnRef idx="2">
+            <a:schemeClr val="accent1"/>
+          </a:lnRef>
+          <a:fillRef idx="0">
+            <a:schemeClr val="accent1"/>
+          </a:fillRef>
+          <a:effectRef idx="1">
+            <a:schemeClr val="accent1"/>
+          </a:effectRef>
+          <a:fontRef idx="minor">
+            <a:schemeClr val="tx1"/>
+          </a:fontRef>
+        </p:style>
+      </p:cxnSp>
+      <p:cxnSp>
+        <p:nvCxnSpPr>
+          <p:cNvPr id="16" name="Straight Connector 15">
+            <a:extLst>
+              <a:ext uri="{FF2B5EF4-FFF2-40B4-BE49-F238E27FC236}">
+                <a16:creationId xmlns:a16="http://schemas.microsoft.com/office/drawing/2014/main" id="{F427B072-CC5B-481B-9719-8CD4C54444BE}"/>
+              </a:ext>
+              <a:ext uri="{C183D7F6-B498-43B3-948B-1728B52AA6E4}">
+                <adec:decorative xmlns:adec="http://schemas.microsoft.com/office/drawing/2017/decorative" val="1"/>
+              </a:ext>
+            </a:extLst>
+          </p:cNvPr>
+          <p:cNvCxnSpPr>
+            <a:cxnSpLocks noGrp="1" noRot="1" noChangeAspect="1" noMove="1" noResize="1" noEditPoints="1" noAdjustHandles="1" noChangeArrowheads="1" noChangeShapeType="1"/>
+          </p:cNvCxnSpPr>
+          <p:nvPr>
+            <p:extLst>
+              <p:ext uri="{386F3935-93C4-4BCD-93E2-E3B085C9AB24}">
+                <p16:designElem xmlns:p16="http://schemas.microsoft.com/office/powerpoint/2015/main" val="1"/>
+              </p:ext>
+            </p:extLst>
+          </p:nvPr>
+        </p:nvCxnSpPr>
+        <p:spPr>
+          <a:xfrm flipH="1">
+            <a:off x="7845426" y="609601"/>
+            <a:ext cx="4343399" cy="4343399"/>
+          </a:xfrm>
+          <a:prstGeom prst="line">
+            <a:avLst/>
+          </a:prstGeom>
+          <a:ln w="31750">
+            <a:solidFill>
+              <a:schemeClr val="tx1"/>
+            </a:solidFill>
+          </a:ln>
+        </p:spPr>
+        <p:style>
+          <a:lnRef idx="2">
+            <a:schemeClr val="accent1"/>
+          </a:lnRef>
+          <a:fillRef idx="0">
+            <a:schemeClr val="accent1"/>
+          </a:fillRef>
+          <a:effectRef idx="1">
+            <a:schemeClr val="accent1"/>
+          </a:effectRef>
+          <a:fontRef idx="minor">
+            <a:schemeClr val="tx1"/>
+          </a:fontRef>
+        </p:style>
+      </p:cxnSp>
       <p:sp useBgFill="1">
         <p:nvSpPr>
-          <p:cNvPr id="9" name="Rectangle 8">
+          <p:cNvPr id="18" name="Rectangle 17">
             <a:extLst>
               <a:ext uri="{FF2B5EF4-FFF2-40B4-BE49-F238E27FC236}">
-                <a16:creationId xmlns:a16="http://schemas.microsoft.com/office/drawing/2014/main" id="{8F4E830A-06F9-4EAA-9E65-110CF2421798}"/>
+                <a16:creationId xmlns:a16="http://schemas.microsoft.com/office/drawing/2014/main" id="{4609862E-48F9-45AC-8D44-67A0268A7935}"/>
               </a:ext>
               <a:ext uri="{C183D7F6-B498-43B3-948B-1728B52AA6E4}">
                 <adec:decorative xmlns:adec="http://schemas.microsoft.com/office/drawing/2017/decorative" val="1"/>
@@ -22763,7 +23995,7 @@
         </p:nvSpPr>
         <p:spPr>
           <a:xfrm>
-            <a:off x="-3175" y="0"/>
+            <a:off x="0" y="0"/>
             <a:ext cx="12192000" cy="6858000"/>
           </a:xfrm>
           <a:prstGeom prst="rect">
@@ -22798,43 +24030,309 @@
           </a:p>
         </p:txBody>
       </p:sp>
-      <p:pic>
-        <p:nvPicPr>
-          <p:cNvPr id="5" name="Picture 4">
+      <p:grpSp>
+        <p:nvGrpSpPr>
+          <p:cNvPr id="20" name="Group 19">
             <a:extLst>
               <a:ext uri="{FF2B5EF4-FFF2-40B4-BE49-F238E27FC236}">
-                <a16:creationId xmlns:a16="http://schemas.microsoft.com/office/drawing/2014/main" id="{A87A6B69-1584-44FB-A58F-22BEA5942669}"/>
+                <a16:creationId xmlns:a16="http://schemas.microsoft.com/office/drawing/2014/main" id="{C97986E7-0E3C-4F64-886E-935DDCB83AA7}"/>
+              </a:ext>
+              <a:ext uri="{C183D7F6-B498-43B3-948B-1728B52AA6E4}">
+                <adec:decorative xmlns:adec="http://schemas.microsoft.com/office/drawing/2017/decorative" val="1"/>
               </a:ext>
             </a:extLst>
           </p:cNvPr>
-          <p:cNvPicPr>
-            <a:picLocks noChangeAspect="1"/>
-          </p:cNvPicPr>
-          <p:nvPr/>
-        </p:nvPicPr>
-        <p:blipFill rotWithShape="1">
-          <a:blip r:embed="rId2">
-            <a:alphaModFix amt="35000"/>
-          </a:blip>
-          <a:srcRect t="5113" b="10617"/>
-          <a:stretch/>
-        </p:blipFill>
-        <p:spPr>
+          <p:cNvGrpSpPr>
+            <a:grpSpLocks noGrp="1" noUngrp="1" noRot="1" noChangeAspect="1" noMove="1" noResize="1"/>
+          </p:cNvGrpSpPr>
+          <p:nvPr>
+            <p:extLst>
+              <p:ext uri="{386F3935-93C4-4BCD-93E2-E3B085C9AB24}">
+                <p16:designElem xmlns:p16="http://schemas.microsoft.com/office/powerpoint/2015/main" val="1"/>
+              </p:ext>
+            </p:extLst>
+          </p:nvPr>
+        </p:nvGrpSpPr>
+        <p:grpSpPr>
           <a:xfrm>
-            <a:off x="3174" y="10"/>
-            <a:ext cx="12192000" cy="6857990"/>
+            <a:off x="7773033" y="1420238"/>
+            <a:ext cx="4415786" cy="4751961"/>
+            <a:chOff x="9206969" y="2963333"/>
+            <a:chExt cx="2981858" cy="3208867"/>
           </a:xfrm>
-          <a:prstGeom prst="rect">
-            <a:avLst/>
-          </a:prstGeom>
-        </p:spPr>
-      </p:pic>
+        </p:grpSpPr>
+        <p:cxnSp>
+          <p:nvCxnSpPr>
+            <p:cNvPr id="21" name="Straight Connector 20">
+              <a:extLst>
+                <a:ext uri="{FF2B5EF4-FFF2-40B4-BE49-F238E27FC236}">
+                  <a16:creationId xmlns:a16="http://schemas.microsoft.com/office/drawing/2014/main" id="{B903D17F-F79E-40E5-9563-A1CFFCC06A2A}"/>
+                </a:ext>
+                <a:ext uri="{C183D7F6-B498-43B3-948B-1728B52AA6E4}">
+                  <adec:decorative xmlns:adec="http://schemas.microsoft.com/office/drawing/2017/decorative" val="1"/>
+                </a:ext>
+              </a:extLst>
+            </p:cNvPr>
+            <p:cNvCxnSpPr/>
+            <p:nvPr>
+              <p:extLst>
+                <p:ext uri="{386F3935-93C4-4BCD-93E2-E3B085C9AB24}">
+                  <p16:designElem xmlns:p16="http://schemas.microsoft.com/office/powerpoint/2015/main" val="1"/>
+                </p:ext>
+              </p:extLst>
+            </p:nvPr>
+          </p:nvCxnSpPr>
+          <p:spPr>
+            <a:xfrm flipH="1">
+              <a:off x="11276012" y="2963333"/>
+              <a:ext cx="912814" cy="912812"/>
+            </a:xfrm>
+            <a:prstGeom prst="line">
+              <a:avLst/>
+            </a:prstGeom>
+            <a:ln w="9525">
+              <a:solidFill>
+                <a:schemeClr val="tx2">
+                  <a:lumMod val="75000"/>
+                  <a:alpha val="80000"/>
+                </a:schemeClr>
+              </a:solidFill>
+            </a:ln>
+          </p:spPr>
+          <p:style>
+            <a:lnRef idx="2">
+              <a:schemeClr val="accent1"/>
+            </a:lnRef>
+            <a:fillRef idx="0">
+              <a:schemeClr val="accent1"/>
+            </a:fillRef>
+            <a:effectRef idx="1">
+              <a:schemeClr val="accent1"/>
+            </a:effectRef>
+            <a:fontRef idx="minor">
+              <a:schemeClr val="tx1"/>
+            </a:fontRef>
+          </p:style>
+        </p:cxnSp>
+        <p:cxnSp>
+          <p:nvCxnSpPr>
+            <p:cNvPr id="22" name="Straight Connector 21">
+              <a:extLst>
+                <a:ext uri="{FF2B5EF4-FFF2-40B4-BE49-F238E27FC236}">
+                  <a16:creationId xmlns:a16="http://schemas.microsoft.com/office/drawing/2014/main" id="{CA5D5775-627F-4588-82B3-905EDF23138E}"/>
+                </a:ext>
+                <a:ext uri="{C183D7F6-B498-43B3-948B-1728B52AA6E4}">
+                  <adec:decorative xmlns:adec="http://schemas.microsoft.com/office/drawing/2017/decorative" val="1"/>
+                </a:ext>
+              </a:extLst>
+            </p:cNvPr>
+            <p:cNvCxnSpPr/>
+            <p:nvPr>
+              <p:extLst>
+                <p:ext uri="{386F3935-93C4-4BCD-93E2-E3B085C9AB24}">
+                  <p16:designElem xmlns:p16="http://schemas.microsoft.com/office/powerpoint/2015/main" val="1"/>
+                </p:ext>
+              </p:extLst>
+            </p:nvPr>
+          </p:nvCxnSpPr>
+          <p:spPr>
+            <a:xfrm flipH="1">
+              <a:off x="9206969" y="3190344"/>
+              <a:ext cx="2981857" cy="2981856"/>
+            </a:xfrm>
+            <a:prstGeom prst="line">
+              <a:avLst/>
+            </a:prstGeom>
+            <a:ln w="9525">
+              <a:solidFill>
+                <a:schemeClr val="tx2">
+                  <a:lumMod val="75000"/>
+                  <a:alpha val="80000"/>
+                </a:schemeClr>
+              </a:solidFill>
+            </a:ln>
+          </p:spPr>
+          <p:style>
+            <a:lnRef idx="2">
+              <a:schemeClr val="accent1"/>
+            </a:lnRef>
+            <a:fillRef idx="0">
+              <a:schemeClr val="accent1"/>
+            </a:fillRef>
+            <a:effectRef idx="1">
+              <a:schemeClr val="accent1"/>
+            </a:effectRef>
+            <a:fontRef idx="minor">
+              <a:schemeClr val="tx1"/>
+            </a:fontRef>
+          </p:style>
+        </p:cxnSp>
+        <p:cxnSp>
+          <p:nvCxnSpPr>
+            <p:cNvPr id="23" name="Straight Connector 22">
+              <a:extLst>
+                <a:ext uri="{FF2B5EF4-FFF2-40B4-BE49-F238E27FC236}">
+                  <a16:creationId xmlns:a16="http://schemas.microsoft.com/office/drawing/2014/main" id="{7D7F2A20-5DE4-4BC0-91EA-5FFE33A4D3A9}"/>
+                </a:ext>
+                <a:ext uri="{C183D7F6-B498-43B3-948B-1728B52AA6E4}">
+                  <adec:decorative xmlns:adec="http://schemas.microsoft.com/office/drawing/2017/decorative" val="1"/>
+                </a:ext>
+              </a:extLst>
+            </p:cNvPr>
+            <p:cNvCxnSpPr/>
+            <p:nvPr>
+              <p:extLst>
+                <p:ext uri="{386F3935-93C4-4BCD-93E2-E3B085C9AB24}">
+                  <p16:designElem xmlns:p16="http://schemas.microsoft.com/office/powerpoint/2015/main" val="1"/>
+                </p:ext>
+              </p:extLst>
+            </p:nvPr>
+          </p:nvCxnSpPr>
+          <p:spPr>
+            <a:xfrm flipH="1">
+              <a:off x="10292292" y="3285067"/>
+              <a:ext cx="1896534" cy="1896533"/>
+            </a:xfrm>
+            <a:prstGeom prst="line">
+              <a:avLst/>
+            </a:prstGeom>
+            <a:ln w="9525">
+              <a:solidFill>
+                <a:schemeClr val="tx2">
+                  <a:lumMod val="75000"/>
+                  <a:alpha val="80000"/>
+                </a:schemeClr>
+              </a:solidFill>
+            </a:ln>
+          </p:spPr>
+          <p:style>
+            <a:lnRef idx="2">
+              <a:schemeClr val="accent1"/>
+            </a:lnRef>
+            <a:fillRef idx="0">
+              <a:schemeClr val="accent1"/>
+            </a:fillRef>
+            <a:effectRef idx="1">
+              <a:schemeClr val="accent1"/>
+            </a:effectRef>
+            <a:fontRef idx="minor">
+              <a:schemeClr val="tx1"/>
+            </a:fontRef>
+          </p:style>
+        </p:cxnSp>
+        <p:cxnSp>
+          <p:nvCxnSpPr>
+            <p:cNvPr id="24" name="Straight Connector 23">
+              <a:extLst>
+                <a:ext uri="{FF2B5EF4-FFF2-40B4-BE49-F238E27FC236}">
+                  <a16:creationId xmlns:a16="http://schemas.microsoft.com/office/drawing/2014/main" id="{3D536BA0-56C7-429C-B41E-B5724F0CD4C4}"/>
+                </a:ext>
+                <a:ext uri="{C183D7F6-B498-43B3-948B-1728B52AA6E4}">
+                  <adec:decorative xmlns:adec="http://schemas.microsoft.com/office/drawing/2017/decorative" val="1"/>
+                </a:ext>
+              </a:extLst>
+            </p:cNvPr>
+            <p:cNvCxnSpPr/>
+            <p:nvPr>
+              <p:extLst>
+                <p:ext uri="{386F3935-93C4-4BCD-93E2-E3B085C9AB24}">
+                  <p16:designElem xmlns:p16="http://schemas.microsoft.com/office/powerpoint/2015/main" val="1"/>
+                </p:ext>
+              </p:extLst>
+            </p:nvPr>
+          </p:nvCxnSpPr>
+          <p:spPr>
+            <a:xfrm flipH="1">
+              <a:off x="10443103" y="3131080"/>
+              <a:ext cx="1745722" cy="1745720"/>
+            </a:xfrm>
+            <a:prstGeom prst="line">
+              <a:avLst/>
+            </a:prstGeom>
+            <a:ln w="28575">
+              <a:solidFill>
+                <a:schemeClr val="tx2">
+                  <a:lumMod val="75000"/>
+                  <a:alpha val="80000"/>
+                </a:schemeClr>
+              </a:solidFill>
+            </a:ln>
+          </p:spPr>
+          <p:style>
+            <a:lnRef idx="2">
+              <a:schemeClr val="accent1"/>
+            </a:lnRef>
+            <a:fillRef idx="0">
+              <a:schemeClr val="accent1"/>
+            </a:fillRef>
+            <a:effectRef idx="1">
+              <a:schemeClr val="accent1"/>
+            </a:effectRef>
+            <a:fontRef idx="minor">
+              <a:schemeClr val="tx1"/>
+            </a:fontRef>
+          </p:style>
+        </p:cxnSp>
+        <p:cxnSp>
+          <p:nvCxnSpPr>
+            <p:cNvPr id="25" name="Straight Connector 24">
+              <a:extLst>
+                <a:ext uri="{FF2B5EF4-FFF2-40B4-BE49-F238E27FC236}">
+                  <a16:creationId xmlns:a16="http://schemas.microsoft.com/office/drawing/2014/main" id="{1F15726F-71BE-4007-B9B6-0A1AA0D5201D}"/>
+                </a:ext>
+                <a:ext uri="{C183D7F6-B498-43B3-948B-1728B52AA6E4}">
+                  <adec:decorative xmlns:adec="http://schemas.microsoft.com/office/drawing/2017/decorative" val="1"/>
+                </a:ext>
+              </a:extLst>
+            </p:cNvPr>
+            <p:cNvCxnSpPr/>
+            <p:nvPr>
+              <p:extLst>
+                <p:ext uri="{386F3935-93C4-4BCD-93E2-E3B085C9AB24}">
+                  <p16:designElem xmlns:p16="http://schemas.microsoft.com/office/powerpoint/2015/main" val="1"/>
+                </p:ext>
+              </p:extLst>
+            </p:nvPr>
+          </p:nvCxnSpPr>
+          <p:spPr>
+            <a:xfrm flipH="1">
+              <a:off x="10918826" y="3683001"/>
+              <a:ext cx="1270001" cy="1269999"/>
+            </a:xfrm>
+            <a:prstGeom prst="line">
+              <a:avLst/>
+            </a:prstGeom>
+            <a:ln w="28575">
+              <a:solidFill>
+                <a:schemeClr val="tx2">
+                  <a:lumMod val="75000"/>
+                  <a:alpha val="80000"/>
+                </a:schemeClr>
+              </a:solidFill>
+            </a:ln>
+          </p:spPr>
+          <p:style>
+            <a:lnRef idx="2">
+              <a:schemeClr val="accent1"/>
+            </a:lnRef>
+            <a:fillRef idx="0">
+              <a:schemeClr val="accent1"/>
+            </a:fillRef>
+            <a:effectRef idx="1">
+              <a:schemeClr val="accent1"/>
+            </a:effectRef>
+            <a:fontRef idx="minor">
+              <a:schemeClr val="tx1"/>
+            </a:fontRef>
+          </p:style>
+        </p:cxnSp>
+      </p:grpSp>
       <p:sp>
         <p:nvSpPr>
           <p:cNvPr id="2" name="Title 1">
             <a:extLst>
               <a:ext uri="{FF2B5EF4-FFF2-40B4-BE49-F238E27FC236}">
-                <a16:creationId xmlns:a16="http://schemas.microsoft.com/office/drawing/2014/main" id="{FF131A4A-8AA4-46A3-87B9-99D7C324111A}"/>
+                <a16:creationId xmlns:a16="http://schemas.microsoft.com/office/drawing/2014/main" id="{C94D272D-E2A7-4723-9B04-A9630186431A}"/>
               </a:ext>
             </a:extLst>
           </p:cNvPr>
@@ -22847,73 +24345,27 @@
         </p:nvSpPr>
         <p:spPr>
           <a:xfrm>
-            <a:off x="684212" y="4487332"/>
-            <a:ext cx="8534400" cy="1507067"/>
+            <a:off x="684211" y="685799"/>
+            <a:ext cx="8420877" cy="2971801"/>
           </a:xfrm>
         </p:spPr>
         <p:txBody>
-          <a:bodyPr>
+          <a:bodyPr vert="horz" lIns="91440" tIns="45720" rIns="91440" bIns="45720" rtlCol="0" anchor="b">
             <a:normAutofit/>
           </a:bodyPr>
           <a:lstStyle/>
           <a:p>
             <a:r>
-              <a:rPr lang="en-US" dirty="0"/>
-              <a:t>Azure Dev Spaces</a:t>
+              <a:rPr lang="en-US" sz="4800"/>
+              <a:t>Demo</a:t>
             </a:r>
-          </a:p>
-        </p:txBody>
-      </p:sp>
-      <p:sp>
-        <p:nvSpPr>
-          <p:cNvPr id="3" name="Content Placeholder 2">
-            <a:extLst>
-              <a:ext uri="{FF2B5EF4-FFF2-40B4-BE49-F238E27FC236}">
-                <a16:creationId xmlns:a16="http://schemas.microsoft.com/office/drawing/2014/main" id="{5250740D-E9F1-485D-B1C3-0F6E2FB3F89D}"/>
-              </a:ext>
-            </a:extLst>
-          </p:cNvPr>
-          <p:cNvSpPr>
-            <a:spLocks noGrp="1"/>
-          </p:cNvSpPr>
-          <p:nvPr>
-            <p:ph idx="1"/>
-          </p:nvPr>
-        </p:nvSpPr>
-        <p:spPr>
-          <a:xfrm>
-            <a:off x="684212" y="685800"/>
-            <a:ext cx="8534400" cy="3615267"/>
-          </a:xfrm>
-        </p:spPr>
-        <p:txBody>
-          <a:bodyPr>
-            <a:normAutofit/>
-          </a:bodyPr>
-          <a:lstStyle/>
-          <a:p>
-            <a:r>
-              <a:rPr lang="en-US" b="0" i="0">
-                <a:solidFill>
-                  <a:schemeClr val="tx1"/>
-                </a:solidFill>
-                <a:effectLst/>
-                <a:latin typeface="Segoe UI" panose="020B0502040204020203" pitchFamily="34" charset="0"/>
-              </a:rPr>
-              <a:t>Azure Dev Spaces provides a rapid, iterative Kubernetes development experience for teams in Azure Kubernetes Service (AKS) clusters. Azure Dev Spaces also allows you to debug and test all the components of your application in AKS with minimal development machine setup, without replicating or mocking up dependencies.</a:t>
-            </a:r>
-            <a:endParaRPr lang="en-US">
-              <a:solidFill>
-                <a:schemeClr val="tx1"/>
-              </a:solidFill>
-            </a:endParaRPr>
           </a:p>
         </p:txBody>
       </p:sp>
     </p:spTree>
     <p:extLst>
       <p:ext uri="{BB962C8B-B14F-4D97-AF65-F5344CB8AC3E}">
-        <p14:creationId xmlns:p14="http://schemas.microsoft.com/office/powerpoint/2010/main" val="1925098525"/>
+        <p14:creationId xmlns:p14="http://schemas.microsoft.com/office/powerpoint/2010/main" val="1986660733"/>
       </p:ext>
     </p:extLst>
   </p:cSld>
